--- a/Literatuurstudie/Literatuurstudie_ppt - kopie.pptx
+++ b/Literatuurstudie/Literatuurstudie_ppt - kopie.pptx
@@ -6,31 +6,29 @@
     <p:sldMasterId id="2147483694" r:id="rId2"/>
   </p:sldMasterIdLst>
   <p:notesMasterIdLst>
-    <p:notesMasterId r:id="rId22"/>
+    <p:notesMasterId r:id="rId20"/>
   </p:notesMasterIdLst>
   <p:handoutMasterIdLst>
-    <p:handoutMasterId r:id="rId23"/>
+    <p:handoutMasterId r:id="rId21"/>
   </p:handoutMasterIdLst>
   <p:sldIdLst>
     <p:sldId id="261" r:id="rId3"/>
     <p:sldId id="268" r:id="rId4"/>
     <p:sldId id="291" r:id="rId5"/>
     <p:sldId id="284" r:id="rId6"/>
-    <p:sldId id="289" r:id="rId7"/>
-    <p:sldId id="271" r:id="rId8"/>
-    <p:sldId id="283" r:id="rId9"/>
-    <p:sldId id="290" r:id="rId10"/>
-    <p:sldId id="279" r:id="rId11"/>
-    <p:sldId id="281" r:id="rId12"/>
-    <p:sldId id="282" r:id="rId13"/>
-    <p:sldId id="278" r:id="rId14"/>
-    <p:sldId id="275" r:id="rId15"/>
-    <p:sldId id="276" r:id="rId16"/>
-    <p:sldId id="272" r:id="rId17"/>
-    <p:sldId id="273" r:id="rId18"/>
-    <p:sldId id="274" r:id="rId19"/>
-    <p:sldId id="287" r:id="rId20"/>
-    <p:sldId id="285" r:id="rId21"/>
+    <p:sldId id="271" r:id="rId7"/>
+    <p:sldId id="290" r:id="rId8"/>
+    <p:sldId id="279" r:id="rId9"/>
+    <p:sldId id="281" r:id="rId10"/>
+    <p:sldId id="282" r:id="rId11"/>
+    <p:sldId id="278" r:id="rId12"/>
+    <p:sldId id="275" r:id="rId13"/>
+    <p:sldId id="276" r:id="rId14"/>
+    <p:sldId id="272" r:id="rId15"/>
+    <p:sldId id="273" r:id="rId16"/>
+    <p:sldId id="274" r:id="rId17"/>
+    <p:sldId id="287" r:id="rId18"/>
+    <p:sldId id="285" r:id="rId19"/>
   </p:sldIdLst>
   <p:sldSz cx="12192000" cy="6858000"/>
   <p:notesSz cx="6858000" cy="9144000"/>
@@ -5179,721 +5177,6 @@
           <a:chExt cx="0" cy="0"/>
         </a:xfrm>
       </p:grpSpPr>
-      <mc:AlternateContent xmlns:mc="http://schemas.openxmlformats.org/markup-compatibility/2006" xmlns:a14="http://schemas.microsoft.com/office/drawing/2010/main">
-        <mc:Choice Requires="a14">
-          <p:sp>
-            <p:nvSpPr>
-              <p:cNvPr id="2" name="Tijdelijke aanduiding voor inhoud 1">
-                <a:extLst>
-                  <a:ext uri="{FF2B5EF4-FFF2-40B4-BE49-F238E27FC236}">
-                    <a16:creationId xmlns:a16="http://schemas.microsoft.com/office/drawing/2014/main" id="{FDB9BA6B-C0B2-4928-93B9-B7D845242D12}"/>
-                  </a:ext>
-                </a:extLst>
-              </p:cNvPr>
-              <p:cNvSpPr>
-                <a:spLocks noGrp="1"/>
-              </p:cNvSpPr>
-              <p:nvPr>
-                <p:ph idx="1"/>
-              </p:nvPr>
-            </p:nvSpPr>
-            <p:spPr/>
-            <p:txBody>
-              <a:bodyPr/>
-              <a:lstStyle/>
-              <a:p>
-                <a:r>
-                  <a:rPr lang="nl-BE" dirty="0"/>
-                  <a:t>Groot Netwerk </a:t>
-                </a:r>
-                <a14:m>
-                  <m:oMath xmlns:m="http://schemas.openxmlformats.org/officeDocument/2006/math">
-                    <m:r>
-                      <a:rPr lang="nl-BE" i="1">
-                        <a:latin typeface="Cambria Math" panose="02040503050406030204" pitchFamily="18" charset="0"/>
-                      </a:rPr>
-                      <m:t>→ </m:t>
-                    </m:r>
-                  </m:oMath>
-                </a14:m>
-                <a:r>
-                  <a:rPr lang="nl-BE" dirty="0"/>
-                  <a:t>Veel parameters </a:t>
-                </a:r>
-                <a14:m>
-                  <m:oMath xmlns:m="http://schemas.openxmlformats.org/officeDocument/2006/math">
-                    <m:r>
-                      <a:rPr lang="nl-BE" i="1">
-                        <a:latin typeface="Cambria Math" panose="02040503050406030204" pitchFamily="18" charset="0"/>
-                      </a:rPr>
-                      <m:t>→ </m:t>
-                    </m:r>
-                    <m:r>
-                      <m:rPr>
-                        <m:sty m:val="p"/>
-                      </m:rPr>
-                      <a:rPr lang="nl-BE" sz="2400" b="0" i="1" smtClean="0">
-                        <a:latin typeface="Cambria Math" panose="02040503050406030204" pitchFamily="18" charset="0"/>
-                        <a:ea typeface="Cambria Math" panose="02040503050406030204" pitchFamily="18" charset="0"/>
-                      </a:rPr>
-                      <m:t>∇</m:t>
-                    </m:r>
-                    <m:r>
-                      <a:rPr lang="nl-BE" sz="2400" b="0" i="1" smtClean="0">
-                        <a:latin typeface="Cambria Math" panose="02040503050406030204" pitchFamily="18" charset="0"/>
-                        <a:ea typeface="Cambria Math" panose="02040503050406030204" pitchFamily="18" charset="0"/>
-                      </a:rPr>
-                      <m:t>𝐶𝑜𝑠𝑡</m:t>
-                    </m:r>
-                    <m:r>
-                      <a:rPr lang="nl-BE" sz="2400" b="0" i="1" smtClean="0">
-                        <a:latin typeface="Cambria Math" panose="02040503050406030204" pitchFamily="18" charset="0"/>
-                        <a:ea typeface="Cambria Math" panose="02040503050406030204" pitchFamily="18" charset="0"/>
-                      </a:rPr>
-                      <m:t>(</m:t>
-                    </m:r>
-                    <m:r>
-                      <a:rPr lang="nl-BE" sz="2400" b="0" i="1" smtClean="0">
-                        <a:latin typeface="Cambria Math" panose="02040503050406030204" pitchFamily="18" charset="0"/>
-                        <a:ea typeface="Cambria Math" panose="02040503050406030204" pitchFamily="18" charset="0"/>
-                      </a:rPr>
-                      <m:t>𝑝</m:t>
-                    </m:r>
-                    <m:r>
-                      <a:rPr lang="nl-BE" sz="2400" b="0" i="1" smtClean="0">
-                        <a:latin typeface="Cambria Math" panose="02040503050406030204" pitchFamily="18" charset="0"/>
-                        <a:ea typeface="Cambria Math" panose="02040503050406030204" pitchFamily="18" charset="0"/>
-                      </a:rPr>
-                      <m:t>)</m:t>
-                    </m:r>
-                  </m:oMath>
-                </a14:m>
-                <a:r>
-                  <a:rPr lang="nl-BE" sz="2400" dirty="0"/>
-                  <a:t> grote dimensie</a:t>
-                </a:r>
-              </a:p>
-              <a:p>
-                <a:pPr marL="0" indent="0">
-                  <a:buNone/>
-                </a:pPr>
-                <a:r>
-                  <a:rPr lang="nl-BE" sz="2400" b="0" dirty="0"/>
-                  <a:t>                           </a:t>
-                </a:r>
-                <a14:m>
-                  <m:oMath xmlns:m="http://schemas.openxmlformats.org/officeDocument/2006/math">
-                    <m:r>
-                      <a:rPr lang="nl-BE" sz="2400" b="0" i="1" smtClean="0">
-                        <a:latin typeface="Cambria Math" panose="02040503050406030204" pitchFamily="18" charset="0"/>
-                      </a:rPr>
-                      <m:t>→ </m:t>
-                    </m:r>
-                  </m:oMath>
-                </a14:m>
-                <a:r>
-                  <a:rPr lang="nl-BE" dirty="0"/>
-                  <a:t>Veel datapunten </a:t>
-                </a:r>
-                <a14:m>
-                  <m:oMath xmlns:m="http://schemas.openxmlformats.org/officeDocument/2006/math">
-                    <m:r>
-                      <a:rPr lang="nl-BE" i="1">
-                        <a:latin typeface="Cambria Math" panose="02040503050406030204" pitchFamily="18" charset="0"/>
-                      </a:rPr>
-                      <m:t>→</m:t>
-                    </m:r>
-                    <m:r>
-                      <m:rPr>
-                        <m:sty m:val="p"/>
-                      </m:rPr>
-                      <a:rPr lang="en-GB" b="0" i="0" smtClean="0">
-                        <a:latin typeface="Cambria Math" panose="02040503050406030204" pitchFamily="18" charset="0"/>
-                      </a:rPr>
-                      <m:t>N</m:t>
-                    </m:r>
-                    <m:r>
-                      <a:rPr lang="en-GB" b="0" i="0" smtClean="0">
-                        <a:latin typeface="Cambria Math" panose="02040503050406030204" pitchFamily="18" charset="0"/>
-                      </a:rPr>
-                      <m:t> </m:t>
-                    </m:r>
-                    <m:r>
-                      <m:rPr>
-                        <m:sty m:val="p"/>
-                      </m:rPr>
-                      <a:rPr lang="en-GB" b="0" i="0" smtClean="0">
-                        <a:latin typeface="Cambria Math" panose="02040503050406030204" pitchFamily="18" charset="0"/>
-                      </a:rPr>
-                      <m:t>groot</m:t>
-                    </m:r>
-                  </m:oMath>
-                </a14:m>
-                <a:endParaRPr lang="nl-BE" dirty="0">
-                  <a:latin typeface="+mn-lt"/>
-                </a:endParaRPr>
-              </a:p>
-              <a:p>
-                <a:pPr marL="0" indent="0">
-                  <a:buNone/>
-                </a:pPr>
-                <a:endParaRPr lang="nl-BE" dirty="0"/>
-              </a:p>
-              <a:p>
-                <a:pPr marL="0" indent="0">
-                  <a:buNone/>
-                </a:pPr>
-                <a:r>
-                  <a:rPr lang="nl-BE" dirty="0"/>
-                  <a:t>  </a:t>
-                </a:r>
-              </a:p>
-              <a:p>
-                <a:r>
-                  <a:rPr lang="nl-BE" dirty="0"/>
-                  <a:t>Oplossing?</a:t>
-                </a:r>
-              </a:p>
-            </p:txBody>
-          </p:sp>
-        </mc:Choice>
-        <mc:Fallback xmlns="">
-          <p:sp>
-            <p:nvSpPr>
-              <p:cNvPr id="2" name="Tijdelijke aanduiding voor inhoud 1">
-                <a:extLst>
-                  <a:ext uri="{FF2B5EF4-FFF2-40B4-BE49-F238E27FC236}">
-                    <a16:creationId xmlns:a16="http://schemas.microsoft.com/office/drawing/2014/main" id="{FDB9BA6B-C0B2-4928-93B9-B7D845242D12}"/>
-                  </a:ext>
-                </a:extLst>
-              </p:cNvPr>
-              <p:cNvSpPr>
-                <a:spLocks noGrp="1" noRot="1" noChangeAspect="1" noMove="1" noResize="1" noEditPoints="1" noAdjustHandles="1" noChangeArrowheads="1" noChangeShapeType="1" noTextEdit="1"/>
-              </p:cNvSpPr>
-              <p:nvPr>
-                <p:ph idx="1"/>
-              </p:nvPr>
-            </p:nvSpPr>
-            <p:spPr>
-              <a:blipFill>
-                <a:blip r:embed="rId2"/>
-                <a:stretch>
-                  <a:fillRect l="-717" t="-956"/>
-                </a:stretch>
-              </a:blipFill>
-            </p:spPr>
-            <p:txBody>
-              <a:bodyPr/>
-              <a:lstStyle/>
-              <a:p>
-                <a:r>
-                  <a:rPr lang="en-GB">
-                    <a:noFill/>
-                  </a:rPr>
-                  <a:t> </a:t>
-                </a:r>
-              </a:p>
-            </p:txBody>
-          </p:sp>
-        </mc:Fallback>
-      </mc:AlternateContent>
-      <p:sp>
-        <p:nvSpPr>
-          <p:cNvPr id="3" name="Tijdelijke aanduiding voor voettekst 2">
-            <a:extLst>
-              <a:ext uri="{FF2B5EF4-FFF2-40B4-BE49-F238E27FC236}">
-                <a16:creationId xmlns:a16="http://schemas.microsoft.com/office/drawing/2014/main" id="{F4FE6DA4-8F7B-48E6-A543-4DE1B81EAC7A}"/>
-              </a:ext>
-            </a:extLst>
-          </p:cNvPr>
-          <p:cNvSpPr>
-            <a:spLocks noGrp="1"/>
-          </p:cNvSpPr>
-          <p:nvPr>
-            <p:ph type="ftr" sz="quarter" idx="11"/>
-          </p:nvPr>
-        </p:nvSpPr>
-        <p:spPr/>
-        <p:txBody>
-          <a:bodyPr/>
-          <a:lstStyle/>
-          <a:p>
-            <a:r>
-              <a:rPr lang="nl-NL"/>
-              <a:t>Faculteit wetenschappen</a:t>
-            </a:r>
-          </a:p>
-        </p:txBody>
-      </p:sp>
-      <p:sp>
-        <p:nvSpPr>
-          <p:cNvPr id="4" name="Tijdelijke aanduiding voor dianummer 3">
-            <a:extLst>
-              <a:ext uri="{FF2B5EF4-FFF2-40B4-BE49-F238E27FC236}">
-                <a16:creationId xmlns:a16="http://schemas.microsoft.com/office/drawing/2014/main" id="{52346FD5-4FAE-40BE-B96D-DA5F7B838F8B}"/>
-              </a:ext>
-            </a:extLst>
-          </p:cNvPr>
-          <p:cNvSpPr>
-            <a:spLocks noGrp="1"/>
-          </p:cNvSpPr>
-          <p:nvPr>
-            <p:ph type="sldNum" sz="quarter" idx="12"/>
-          </p:nvPr>
-        </p:nvSpPr>
-        <p:spPr/>
-        <p:txBody>
-          <a:bodyPr/>
-          <a:lstStyle/>
-          <a:p>
-            <a:fld id="{0A297500-7527-634B-90F4-69D0994C32B4}" type="slidenum">
-              <a:rPr lang="nl-NL" smtClean="0"/>
-              <a:t>10</a:t>
-            </a:fld>
-            <a:endParaRPr lang="nl-NL"/>
-          </a:p>
-        </p:txBody>
-      </p:sp>
-      <p:sp>
-        <p:nvSpPr>
-          <p:cNvPr id="5" name="Titel 4">
-            <a:extLst>
-              <a:ext uri="{FF2B5EF4-FFF2-40B4-BE49-F238E27FC236}">
-                <a16:creationId xmlns:a16="http://schemas.microsoft.com/office/drawing/2014/main" id="{2226A8D9-1F0C-461B-8683-0631BAE5856D}"/>
-              </a:ext>
-            </a:extLst>
-          </p:cNvPr>
-          <p:cNvSpPr>
-            <a:spLocks noGrp="1"/>
-          </p:cNvSpPr>
-          <p:nvPr>
-            <p:ph type="title"/>
-          </p:nvPr>
-        </p:nvSpPr>
-        <p:spPr/>
-        <p:txBody>
-          <a:bodyPr/>
-          <a:lstStyle/>
-          <a:p>
-            <a:r>
-              <a:rPr lang="nl-BE" dirty="0" err="1"/>
-              <a:t>Gradient</a:t>
-            </a:r>
-            <a:r>
-              <a:rPr lang="nl-BE" dirty="0"/>
-              <a:t> </a:t>
-            </a:r>
-            <a:r>
-              <a:rPr lang="nl-BE" dirty="0" err="1"/>
-              <a:t>descent</a:t>
-            </a:r>
-            <a:endParaRPr lang="nl-BE" dirty="0"/>
-          </a:p>
-        </p:txBody>
-      </p:sp>
-      <p:pic>
-        <p:nvPicPr>
-          <p:cNvPr id="7" name="Afbeelding 6" descr="Afbeelding met object, klok&#10;&#10;Automatisch gegenereerde beschrijving">
-            <a:extLst>
-              <a:ext uri="{FF2B5EF4-FFF2-40B4-BE49-F238E27FC236}">
-                <a16:creationId xmlns:a16="http://schemas.microsoft.com/office/drawing/2014/main" id="{FF13E501-C5E3-4FD7-8D51-A9E8829362CF}"/>
-              </a:ext>
-            </a:extLst>
-          </p:cNvPr>
-          <p:cNvPicPr>
-            <a:picLocks noChangeAspect="1"/>
-          </p:cNvPicPr>
-          <p:nvPr/>
-        </p:nvPicPr>
-        <p:blipFill>
-          <a:blip r:embed="rId3"/>
-          <a:stretch>
-            <a:fillRect/>
-          </a:stretch>
-        </p:blipFill>
-        <p:spPr>
-          <a:xfrm>
-            <a:off x="900000" y="3703899"/>
-            <a:ext cx="4464638" cy="1136830"/>
-          </a:xfrm>
-          <a:prstGeom prst="rect">
-            <a:avLst/>
-          </a:prstGeom>
-        </p:spPr>
-      </p:pic>
-      <p:cxnSp>
-        <p:nvCxnSpPr>
-          <p:cNvPr id="9" name="Rechte verbindingslijn met pijl 8">
-            <a:extLst>
-              <a:ext uri="{FF2B5EF4-FFF2-40B4-BE49-F238E27FC236}">
-                <a16:creationId xmlns:a16="http://schemas.microsoft.com/office/drawing/2014/main" id="{54F13279-6BE0-4BB5-9263-FB56909DC4B5}"/>
-              </a:ext>
-            </a:extLst>
-          </p:cNvPr>
-          <p:cNvCxnSpPr/>
-          <p:nvPr/>
-        </p:nvCxnSpPr>
-        <p:spPr>
-          <a:xfrm>
-            <a:off x="5671595" y="4237931"/>
-            <a:ext cx="2280213" cy="0"/>
-          </a:xfrm>
-          <a:prstGeom prst="straightConnector1">
-            <a:avLst/>
-          </a:prstGeom>
-          <a:ln>
-            <a:tailEnd type="triangle"/>
-          </a:ln>
-        </p:spPr>
-        <p:style>
-          <a:lnRef idx="3">
-            <a:schemeClr val="accent2"/>
-          </a:lnRef>
-          <a:fillRef idx="0">
-            <a:schemeClr val="accent2"/>
-          </a:fillRef>
-          <a:effectRef idx="2">
-            <a:schemeClr val="accent2"/>
-          </a:effectRef>
-          <a:fontRef idx="minor">
-            <a:schemeClr val="tx1"/>
-          </a:fontRef>
-        </p:style>
-      </p:cxnSp>
-      <p:pic>
-        <p:nvPicPr>
-          <p:cNvPr id="1026" name="Picture 2" descr="Computer Fire Isolated. Burning Computer. Data Processor Vector Stock  Vector - Illustration of flame, fire: 143629275">
-            <a:extLst>
-              <a:ext uri="{FF2B5EF4-FFF2-40B4-BE49-F238E27FC236}">
-                <a16:creationId xmlns:a16="http://schemas.microsoft.com/office/drawing/2014/main" id="{D887E6EC-1C19-442A-906B-C69D0C29C224}"/>
-              </a:ext>
-            </a:extLst>
-          </p:cNvPr>
-          <p:cNvPicPr>
-            <a:picLocks noChangeAspect="1" noChangeArrowheads="1"/>
-          </p:cNvPicPr>
-          <p:nvPr/>
-        </p:nvPicPr>
-        <p:blipFill>
-          <a:blip r:embed="rId4">
-            <a:extLst>
-              <a:ext uri="{28A0092B-C50C-407E-A947-70E740481C1C}">
-                <a14:useLocalDpi xmlns:a14="http://schemas.microsoft.com/office/drawing/2010/main" val="0"/>
-              </a:ext>
-            </a:extLst>
-          </a:blip>
-          <a:srcRect/>
-          <a:stretch>
-            <a:fillRect/>
-          </a:stretch>
-        </p:blipFill>
-        <p:spPr bwMode="auto">
-          <a:xfrm>
-            <a:off x="8070004" y="2323628"/>
-            <a:ext cx="3429000" cy="3429000"/>
-          </a:xfrm>
-          <a:prstGeom prst="rect">
-            <a:avLst/>
-          </a:prstGeom>
-          <a:noFill/>
-          <a:extLst>
-            <a:ext uri="{909E8E84-426E-40DD-AFC4-6F175D3DCCD1}">
-              <a14:hiddenFill xmlns:a14="http://schemas.microsoft.com/office/drawing/2010/main">
-                <a:solidFill>
-                  <a:srgbClr val="FFFFFF"/>
-                </a:solidFill>
-              </a14:hiddenFill>
-            </a:ext>
-          </a:extLst>
-        </p:spPr>
-      </p:pic>
-    </p:spTree>
-    <p:extLst>
-      <p:ext uri="{BB962C8B-B14F-4D97-AF65-F5344CB8AC3E}">
-        <p14:creationId xmlns:p14="http://schemas.microsoft.com/office/powerpoint/2010/main" val="649465542"/>
-      </p:ext>
-    </p:extLst>
-  </p:cSld>
-  <p:clrMapOvr>
-    <a:masterClrMapping/>
-  </p:clrMapOvr>
-</p:sld>
-</file>
-
-<file path=ppt/slides/slide11.xml><?xml version="1.0" encoding="utf-8"?>
-<p:sld xmlns:a="http://schemas.openxmlformats.org/drawingml/2006/main" xmlns:r="http://schemas.openxmlformats.org/officeDocument/2006/relationships" xmlns:p="http://schemas.openxmlformats.org/presentationml/2006/main">
-  <p:cSld>
-    <p:spTree>
-      <p:nvGrpSpPr>
-        <p:cNvPr id="1" name=""/>
-        <p:cNvGrpSpPr/>
-        <p:nvPr/>
-      </p:nvGrpSpPr>
-      <p:grpSpPr>
-        <a:xfrm>
-          <a:off x="0" y="0"/>
-          <a:ext cx="0" cy="0"/>
-          <a:chOff x="0" y="0"/>
-          <a:chExt cx="0" cy="0"/>
-        </a:xfrm>
-      </p:grpSpPr>
-      <p:sp>
-        <p:nvSpPr>
-          <p:cNvPr id="2" name="Tijdelijke aanduiding voor inhoud 1">
-            <a:extLst>
-              <a:ext uri="{FF2B5EF4-FFF2-40B4-BE49-F238E27FC236}">
-                <a16:creationId xmlns:a16="http://schemas.microsoft.com/office/drawing/2014/main" id="{C79333D8-4E56-48D2-8BC5-D836CD92E7F5}"/>
-              </a:ext>
-            </a:extLst>
-          </p:cNvPr>
-          <p:cNvSpPr>
-            <a:spLocks noGrp="1"/>
-          </p:cNvSpPr>
-          <p:nvPr>
-            <p:ph idx="1"/>
-          </p:nvPr>
-        </p:nvSpPr>
-        <p:spPr/>
-        <p:txBody>
-          <a:bodyPr/>
-          <a:lstStyle/>
-          <a:p>
-            <a:r>
-              <a:rPr lang="nl-BE" dirty="0"/>
-              <a:t>Telkens 1 punt nemen:</a:t>
-            </a:r>
-          </a:p>
-          <a:p>
-            <a:pPr marL="0" indent="0">
-              <a:buNone/>
-            </a:pPr>
-            <a:endParaRPr lang="nl-BE" dirty="0"/>
-          </a:p>
-          <a:p>
-            <a:pPr marL="0" indent="0">
-              <a:buNone/>
-            </a:pPr>
-            <a:endParaRPr lang="nl-BE" dirty="0"/>
-          </a:p>
-          <a:p>
-            <a:r>
-              <a:rPr lang="nl-BE" dirty="0"/>
-              <a:t>Telkens m &lt;&lt; N punten nemen:</a:t>
-            </a:r>
-          </a:p>
-          <a:p>
-            <a:pPr lvl="1"/>
-            <a:r>
-              <a:rPr lang="nl-BE" dirty="0"/>
-              <a:t>Minibatch</a:t>
-            </a:r>
-          </a:p>
-          <a:p>
-            <a:endParaRPr lang="nl-BE" dirty="0"/>
-          </a:p>
-          <a:p>
-            <a:endParaRPr lang="nl-BE" dirty="0"/>
-          </a:p>
-          <a:p>
-            <a:r>
-              <a:rPr lang="nl-BE" dirty="0"/>
-              <a:t>Met/zonder vervanging</a:t>
-            </a:r>
-          </a:p>
-        </p:txBody>
-      </p:sp>
-      <p:sp>
-        <p:nvSpPr>
-          <p:cNvPr id="3" name="Tijdelijke aanduiding voor voettekst 2">
-            <a:extLst>
-              <a:ext uri="{FF2B5EF4-FFF2-40B4-BE49-F238E27FC236}">
-                <a16:creationId xmlns:a16="http://schemas.microsoft.com/office/drawing/2014/main" id="{70CB2AD9-04AF-4EA4-BA1E-3377F6E0748D}"/>
-              </a:ext>
-            </a:extLst>
-          </p:cNvPr>
-          <p:cNvSpPr>
-            <a:spLocks noGrp="1"/>
-          </p:cNvSpPr>
-          <p:nvPr>
-            <p:ph type="ftr" sz="quarter" idx="11"/>
-          </p:nvPr>
-        </p:nvSpPr>
-        <p:spPr/>
-        <p:txBody>
-          <a:bodyPr/>
-          <a:lstStyle/>
-          <a:p>
-            <a:r>
-              <a:rPr lang="nl-NL"/>
-              <a:t>Faculteit wetenschappen</a:t>
-            </a:r>
-          </a:p>
-        </p:txBody>
-      </p:sp>
-      <p:sp>
-        <p:nvSpPr>
-          <p:cNvPr id="4" name="Tijdelijke aanduiding voor dianummer 3">
-            <a:extLst>
-              <a:ext uri="{FF2B5EF4-FFF2-40B4-BE49-F238E27FC236}">
-                <a16:creationId xmlns:a16="http://schemas.microsoft.com/office/drawing/2014/main" id="{86C94A12-C2C6-4355-AAC4-5D2C3F4A327F}"/>
-              </a:ext>
-            </a:extLst>
-          </p:cNvPr>
-          <p:cNvSpPr>
-            <a:spLocks noGrp="1"/>
-          </p:cNvSpPr>
-          <p:nvPr>
-            <p:ph type="sldNum" sz="quarter" idx="12"/>
-          </p:nvPr>
-        </p:nvSpPr>
-        <p:spPr/>
-        <p:txBody>
-          <a:bodyPr/>
-          <a:lstStyle/>
-          <a:p>
-            <a:fld id="{0A297500-7527-634B-90F4-69D0994C32B4}" type="slidenum">
-              <a:rPr lang="nl-NL" smtClean="0"/>
-              <a:t>11</a:t>
-            </a:fld>
-            <a:endParaRPr lang="nl-NL"/>
-          </a:p>
-        </p:txBody>
-      </p:sp>
-      <p:sp>
-        <p:nvSpPr>
-          <p:cNvPr id="5" name="Titel 4">
-            <a:extLst>
-              <a:ext uri="{FF2B5EF4-FFF2-40B4-BE49-F238E27FC236}">
-                <a16:creationId xmlns:a16="http://schemas.microsoft.com/office/drawing/2014/main" id="{8A8BAFB1-02E4-4847-A573-784E02115F7B}"/>
-              </a:ext>
-            </a:extLst>
-          </p:cNvPr>
-          <p:cNvSpPr>
-            <a:spLocks noGrp="1"/>
-          </p:cNvSpPr>
-          <p:nvPr>
-            <p:ph type="title"/>
-          </p:nvPr>
-        </p:nvSpPr>
-        <p:spPr/>
-        <p:txBody>
-          <a:bodyPr/>
-          <a:lstStyle/>
-          <a:p>
-            <a:r>
-              <a:rPr lang="nl-BE" dirty="0" err="1"/>
-              <a:t>Stochastic</a:t>
-            </a:r>
-            <a:r>
-              <a:rPr lang="nl-BE" dirty="0"/>
-              <a:t> </a:t>
-            </a:r>
-            <a:r>
-              <a:rPr lang="nl-BE" dirty="0" err="1"/>
-              <a:t>gradient</a:t>
-            </a:r>
-            <a:r>
-              <a:rPr lang="nl-BE" dirty="0"/>
-              <a:t> </a:t>
-            </a:r>
-            <a:r>
-              <a:rPr lang="nl-BE" dirty="0" err="1"/>
-              <a:t>descent</a:t>
-            </a:r>
-            <a:endParaRPr lang="nl-BE" dirty="0"/>
-          </a:p>
-        </p:txBody>
-      </p:sp>
-      <p:pic>
-        <p:nvPicPr>
-          <p:cNvPr id="7" name="Afbeelding 6" descr="Afbeelding met object, klok&#10;&#10;Automatisch gegenereerde beschrijving">
-            <a:extLst>
-              <a:ext uri="{FF2B5EF4-FFF2-40B4-BE49-F238E27FC236}">
-                <a16:creationId xmlns:a16="http://schemas.microsoft.com/office/drawing/2014/main" id="{1499888D-4D2D-48AA-822E-E73E59823143}"/>
-              </a:ext>
-            </a:extLst>
-          </p:cNvPr>
-          <p:cNvPicPr>
-            <a:picLocks noChangeAspect="1"/>
-          </p:cNvPicPr>
-          <p:nvPr/>
-        </p:nvPicPr>
-        <p:blipFill>
-          <a:blip r:embed="rId2"/>
-          <a:stretch>
-            <a:fillRect/>
-          </a:stretch>
-        </p:blipFill>
-        <p:spPr>
-          <a:xfrm>
-            <a:off x="6598362" y="1505304"/>
-            <a:ext cx="2827265" cy="640135"/>
-          </a:xfrm>
-          <a:prstGeom prst="rect">
-            <a:avLst/>
-          </a:prstGeom>
-        </p:spPr>
-      </p:pic>
-      <p:pic>
-        <p:nvPicPr>
-          <p:cNvPr id="9" name="Afbeelding 8" descr="Afbeelding met object, klok&#10;&#10;Automatisch gegenereerde beschrijving">
-            <a:extLst>
-              <a:ext uri="{FF2B5EF4-FFF2-40B4-BE49-F238E27FC236}">
-                <a16:creationId xmlns:a16="http://schemas.microsoft.com/office/drawing/2014/main" id="{7A770CCF-297A-49CB-A7AB-C9200BD735D8}"/>
-              </a:ext>
-            </a:extLst>
-          </p:cNvPr>
-          <p:cNvPicPr>
-            <a:picLocks noChangeAspect="1"/>
-          </p:cNvPicPr>
-          <p:nvPr/>
-        </p:nvPicPr>
-        <p:blipFill>
-          <a:blip r:embed="rId3"/>
-          <a:stretch>
-            <a:fillRect/>
-          </a:stretch>
-        </p:blipFill>
-        <p:spPr>
-          <a:xfrm>
-            <a:off x="6598362" y="2813005"/>
-            <a:ext cx="3863675" cy="1005927"/>
-          </a:xfrm>
-          <a:prstGeom prst="rect">
-            <a:avLst/>
-          </a:prstGeom>
-        </p:spPr>
-      </p:pic>
-    </p:spTree>
-    <p:extLst>
-      <p:ext uri="{BB962C8B-B14F-4D97-AF65-F5344CB8AC3E}">
-        <p14:creationId xmlns:p14="http://schemas.microsoft.com/office/powerpoint/2010/main" val="1225278259"/>
-      </p:ext>
-    </p:extLst>
-  </p:cSld>
-  <p:clrMapOvr>
-    <a:masterClrMapping/>
-  </p:clrMapOvr>
-</p:sld>
-</file>
-
-<file path=ppt/slides/slide12.xml><?xml version="1.0" encoding="utf-8"?>
-<p:sld xmlns:a="http://schemas.openxmlformats.org/drawingml/2006/main" xmlns:r="http://schemas.openxmlformats.org/officeDocument/2006/relationships" xmlns:p="http://schemas.openxmlformats.org/presentationml/2006/main">
-  <p:cSld>
-    <p:spTree>
-      <p:nvGrpSpPr>
-        <p:cNvPr id="1" name=""/>
-        <p:cNvGrpSpPr/>
-        <p:nvPr/>
-      </p:nvGrpSpPr>
-      <p:grpSpPr>
-        <a:xfrm>
-          <a:off x="0" y="0"/>
-          <a:ext cx="0" cy="0"/>
-          <a:chOff x="0" y="0"/>
-          <a:chExt cx="0" cy="0"/>
-        </a:xfrm>
-      </p:grpSpPr>
       <p:sp>
         <p:nvSpPr>
           <p:cNvPr id="2" name="Content Placeholder 1">
@@ -6043,7 +5326,7 @@
           <a:p>
             <a:fld id="{0A297500-7527-634B-90F4-69D0994C32B4}" type="slidenum">
               <a:rPr lang="nl-NL" smtClean="0"/>
-              <a:t>12</a:t>
+              <a:t>10</a:t>
             </a:fld>
             <a:endParaRPr lang="nl-NL"/>
           </a:p>
@@ -6159,7 +5442,7 @@
 </p:sld>
 </file>
 
-<file path=ppt/slides/slide13.xml><?xml version="1.0" encoding="utf-8"?>
+<file path=ppt/slides/slide11.xml><?xml version="1.0" encoding="utf-8"?>
 <p:sld xmlns:a="http://schemas.openxmlformats.org/drawingml/2006/main" xmlns:r="http://schemas.openxmlformats.org/officeDocument/2006/relationships" xmlns:p="http://schemas.openxmlformats.org/presentationml/2006/main">
   <p:cSld>
     <p:spTree>
@@ -6497,7 +5780,7 @@
           <a:p>
             <a:fld id="{0A297500-7527-634B-90F4-69D0994C32B4}" type="slidenum">
               <a:rPr lang="nl-NL" smtClean="0"/>
-              <a:t>13</a:t>
+              <a:t>11</a:t>
             </a:fld>
             <a:endParaRPr lang="nl-NL"/>
           </a:p>
@@ -6643,7 +5926,7 @@
 </p:sld>
 </file>
 
-<file path=ppt/slides/slide14.xml><?xml version="1.0" encoding="utf-8"?>
+<file path=ppt/slides/slide12.xml><?xml version="1.0" encoding="utf-8"?>
 <p:sld xmlns:a="http://schemas.openxmlformats.org/drawingml/2006/main" xmlns:r="http://schemas.openxmlformats.org/officeDocument/2006/relationships" xmlns:p="http://schemas.openxmlformats.org/presentationml/2006/main">
   <p:cSld>
     <p:spTree>
@@ -6899,7 +6182,7 @@
           <a:p>
             <a:fld id="{0A297500-7527-634B-90F4-69D0994C32B4}" type="slidenum">
               <a:rPr lang="nl-NL" smtClean="0"/>
-              <a:t>14</a:t>
+              <a:t>12</a:t>
             </a:fld>
             <a:endParaRPr lang="nl-NL"/>
           </a:p>
@@ -7091,7 +6374,7 @@
 </p:sld>
 </file>
 
-<file path=ppt/slides/slide15.xml><?xml version="1.0" encoding="utf-8"?>
+<file path=ppt/slides/slide13.xml><?xml version="1.0" encoding="utf-8"?>
 <p:sld xmlns:a="http://schemas.openxmlformats.org/drawingml/2006/main" xmlns:r="http://schemas.openxmlformats.org/officeDocument/2006/relationships" xmlns:p="http://schemas.openxmlformats.org/presentationml/2006/main">
   <p:cSld>
     <p:spTree>
@@ -7205,7 +6488,7 @@
           <a:p>
             <a:fld id="{0A297500-7527-634B-90F4-69D0994C32B4}" type="slidenum">
               <a:rPr lang="nl-NL" smtClean="0"/>
-              <a:t>15</a:t>
+              <a:t>13</a:t>
             </a:fld>
             <a:endParaRPr lang="nl-NL"/>
           </a:p>
@@ -7282,7 +6565,7 @@
 </p:sld>
 </file>
 
-<file path=ppt/slides/slide16.xml><?xml version="1.0" encoding="utf-8"?>
+<file path=ppt/slides/slide14.xml><?xml version="1.0" encoding="utf-8"?>
 <p:sld xmlns:a="http://schemas.openxmlformats.org/drawingml/2006/main" xmlns:r="http://schemas.openxmlformats.org/officeDocument/2006/relationships" xmlns:p="http://schemas.openxmlformats.org/presentationml/2006/main">
   <p:cSld>
     <p:spTree>
@@ -7805,7 +7088,7 @@
           <a:p>
             <a:fld id="{0A297500-7527-634B-90F4-69D0994C32B4}" type="slidenum">
               <a:rPr lang="nl-NL" smtClean="0"/>
-              <a:t>16</a:t>
+              <a:t>14</a:t>
             </a:fld>
             <a:endParaRPr lang="nl-NL" dirty="0"/>
           </a:p>
@@ -7970,7 +7253,7 @@
 </p:sld>
 </file>
 
-<file path=ppt/slides/slide17.xml><?xml version="1.0" encoding="utf-8"?>
+<file path=ppt/slides/slide15.xml><?xml version="1.0" encoding="utf-8"?>
 <p:sld xmlns:a="http://schemas.openxmlformats.org/drawingml/2006/main" xmlns:r="http://schemas.openxmlformats.org/officeDocument/2006/relationships" xmlns:p="http://schemas.openxmlformats.org/presentationml/2006/main">
   <p:cSld>
     <p:spTree>
@@ -8010,42 +7293,24 @@
           <a:p>
             <a:r>
               <a:rPr lang="nl-BE" dirty="0"/>
-              <a:t>Onzekerheid kwantificeerbaar</a:t>
+              <a:t>Onzekerheidskwantificatie</a:t>
             </a:r>
           </a:p>
           <a:p>
             <a:r>
               <a:rPr lang="nl-BE" dirty="0"/>
-              <a:t>Verschillende applicaties</a:t>
+              <a:t>Zelfrijdende auto’s</a:t>
             </a:r>
           </a:p>
           <a:p>
             <a:r>
               <a:rPr lang="nl-BE" dirty="0"/>
-              <a:t>Voordelen?</a:t>
-            </a:r>
-          </a:p>
-          <a:p>
-            <a:pPr marL="914400" lvl="1" indent="-457200">
-              <a:buFont typeface="+mj-lt"/>
-              <a:buAutoNum type="arabicPeriod"/>
-            </a:pPr>
-            <a:r>
-              <a:rPr lang="nl-BE" dirty="0"/>
-              <a:t>Onzekerheidskwantificatie</a:t>
-            </a:r>
-          </a:p>
-          <a:p>
-            <a:pPr marL="914400" lvl="1" indent="-457200">
-              <a:buFont typeface="+mj-lt"/>
-              <a:buAutoNum type="arabicPeriod"/>
-            </a:pPr>
-            <a:r>
-              <a:rPr lang="nl-BE" dirty="0"/>
-              <a:t>Active Learning</a:t>
-            </a:r>
-          </a:p>
-          <a:p>
+              <a:t>Active </a:t>
+            </a:r>
+            <a:r>
+              <a:rPr lang="nl-BE" dirty="0" err="1"/>
+              <a:t>learning</a:t>
+            </a:r>
             <a:endParaRPr lang="nl-BE" dirty="0"/>
           </a:p>
         </p:txBody>
@@ -8101,7 +7366,7 @@
           <a:p>
             <a:fld id="{0A297500-7527-634B-90F4-69D0994C32B4}" type="slidenum">
               <a:rPr lang="nl-NL" smtClean="0"/>
-              <a:t>17</a:t>
+              <a:t>15</a:t>
             </a:fld>
             <a:endParaRPr lang="nl-NL"/>
           </a:p>
@@ -8130,8 +7395,29 @@
           <a:p>
             <a:r>
               <a:rPr lang="nl-BE" dirty="0"/>
-              <a:t>Hoe zeker is het netwerk?</a:t>
-            </a:r>
+              <a:t>Applicaties van </a:t>
+            </a:r>
+            <a:r>
+              <a:rPr lang="nl-BE" dirty="0" err="1"/>
+              <a:t>bayesian</a:t>
+            </a:r>
+            <a:r>
+              <a:rPr lang="nl-BE" dirty="0"/>
+              <a:t> </a:t>
+            </a:r>
+            <a:r>
+              <a:rPr lang="nl-BE" dirty="0" err="1"/>
+              <a:t>deep</a:t>
+            </a:r>
+            <a:r>
+              <a:rPr lang="nl-BE" dirty="0"/>
+              <a:t> </a:t>
+            </a:r>
+            <a:r>
+              <a:rPr lang="nl-BE" dirty="0" err="1"/>
+              <a:t>learning</a:t>
+            </a:r>
+            <a:endParaRPr lang="nl-BE" dirty="0"/>
           </a:p>
         </p:txBody>
       </p:sp>
@@ -8162,7 +7448,7 @@
         </p:blipFill>
         <p:spPr bwMode="auto">
           <a:xfrm>
-            <a:off x="5505771" y="3102015"/>
+            <a:off x="5396616" y="3102015"/>
             <a:ext cx="6219384" cy="2696901"/>
           </a:xfrm>
           <a:prstGeom prst="rect">
@@ -8193,7 +7479,7 @@
 </p:sld>
 </file>
 
-<file path=ppt/slides/slide18.xml><?xml version="1.0" encoding="utf-8"?>
+<file path=ppt/slides/slide16.xml><?xml version="1.0" encoding="utf-8"?>
 <p:sld xmlns:a="http://schemas.openxmlformats.org/drawingml/2006/main" xmlns:r="http://schemas.openxmlformats.org/officeDocument/2006/relationships" xmlns:p="http://schemas.openxmlformats.org/presentationml/2006/main">
   <p:cSld>
     <p:spTree>
@@ -8253,7 +7539,7 @@
 </p:sld>
 </file>
 
-<file path=ppt/slides/slide19.xml><?xml version="1.0" encoding="utf-8"?>
+<file path=ppt/slides/slide17.xml><?xml version="1.0" encoding="utf-8"?>
 <p:sld xmlns:a="http://schemas.openxmlformats.org/drawingml/2006/main" xmlns:r="http://schemas.openxmlformats.org/officeDocument/2006/relationships" xmlns:p="http://schemas.openxmlformats.org/presentationml/2006/main">
   <p:cSld>
     <p:spTree>
@@ -8655,7 +7941,7 @@
           <a:p>
             <a:fld id="{0A297500-7527-634B-90F4-69D0994C32B4}" type="slidenum">
               <a:rPr lang="nl-NL" smtClean="0"/>
-              <a:t>19</a:t>
+              <a:t>17</a:t>
             </a:fld>
             <a:endParaRPr lang="nl-NL"/>
           </a:p>
@@ -10729,435 +10015,8 @@
           <a:chExt cx="0" cy="0"/>
         </a:xfrm>
       </p:grpSpPr>
-      <mc:AlternateContent xmlns:mc="http://schemas.openxmlformats.org/markup-compatibility/2006" xmlns:a14="http://schemas.microsoft.com/office/drawing/2010/main">
-        <mc:Choice Requires="a14">
-          <p:sp>
-            <p:nvSpPr>
-              <p:cNvPr id="2" name="Tijdelijke aanduiding voor inhoud 1">
-                <a:extLst>
-                  <a:ext uri="{FF2B5EF4-FFF2-40B4-BE49-F238E27FC236}">
-                    <a16:creationId xmlns:a16="http://schemas.microsoft.com/office/drawing/2014/main" id="{791F80F6-7C99-40AA-9E6A-1079D32855E1}"/>
-                  </a:ext>
-                </a:extLst>
-              </p:cNvPr>
-              <p:cNvSpPr>
-                <a:spLocks noGrp="1"/>
-              </p:cNvSpPr>
-              <p:nvPr>
-                <p:ph idx="1"/>
-              </p:nvPr>
-            </p:nvSpPr>
-            <p:spPr/>
-            <p:txBody>
-              <a:bodyPr/>
-              <a:lstStyle/>
-              <a:p>
-                <a:r>
-                  <a:rPr lang="nl-BE" dirty="0"/>
-                  <a:t>Gekende trainingsoutput</a:t>
-                </a:r>
-              </a:p>
-              <a:p>
-                <a:r>
-                  <a:rPr lang="nl-BE" dirty="0"/>
-                  <a:t>Output van netwerk</a:t>
-                </a:r>
-              </a:p>
-              <a:p>
-                <a:r>
-                  <a:rPr lang="nl-BE" dirty="0"/>
-                  <a:t>Verschil geeft kostfunctie</a:t>
-                </a:r>
-              </a:p>
-              <a:p>
-                <a:r>
-                  <a:rPr lang="nl-BE" dirty="0"/>
-                  <a:t>Afhankelijk van gewichten en </a:t>
-                </a:r>
-                <a:r>
-                  <a:rPr lang="nl-BE" dirty="0" err="1"/>
-                  <a:t>biases</a:t>
-                </a:r>
-                <a:endParaRPr lang="nl-BE" dirty="0"/>
-              </a:p>
-              <a:p>
-                <a:r>
-                  <a:rPr lang="nl-BE" dirty="0"/>
-                  <a:t>Optimaliseren =&gt; achterwaartse propagatie</a:t>
-                </a:r>
-              </a:p>
-              <a:p>
-                <a:pPr marL="0" indent="0">
-                  <a:buNone/>
-                </a:pPr>
-                <a:endParaRPr lang="nl-BE" dirty="0"/>
-              </a:p>
-              <a:p>
-                <a:pPr marL="0" indent="0">
-                  <a:buNone/>
-                </a:pPr>
-                <a:r>
-                  <a:rPr lang="nl-BE" dirty="0" err="1"/>
-                  <a:t>Stochastic</a:t>
-                </a:r>
-                <a:r>
-                  <a:rPr lang="nl-BE" dirty="0"/>
-                  <a:t> </a:t>
-                </a:r>
-                <a:r>
-                  <a:rPr lang="nl-BE" dirty="0" err="1"/>
-                  <a:t>gradient</a:t>
-                </a:r>
-                <a:r>
-                  <a:rPr lang="nl-BE" dirty="0"/>
-                  <a:t> </a:t>
-                </a:r>
-                <a:r>
-                  <a:rPr lang="nl-BE" dirty="0" err="1"/>
-                  <a:t>descent</a:t>
-                </a:r>
-                <a:r>
-                  <a:rPr lang="nl-BE" dirty="0"/>
-                  <a:t>:</a:t>
-                </a:r>
-              </a:p>
-              <a:p>
-                <a14:m>
-                  <m:oMath xmlns:m="http://schemas.openxmlformats.org/officeDocument/2006/math">
-                    <m:r>
-                      <a:rPr lang="nl-BE" b="0" i="1" smtClean="0">
-                        <a:latin typeface="Cambria Math" panose="02040503050406030204" pitchFamily="18" charset="0"/>
-                      </a:rPr>
-                      <m:t>𝐶𝑜𝑠𝑡</m:t>
-                    </m:r>
-                    <m:r>
-                      <a:rPr lang="nl-BE" b="0" i="1" smtClean="0">
-                        <a:latin typeface="Cambria Math" panose="02040503050406030204" pitchFamily="18" charset="0"/>
-                      </a:rPr>
-                      <m:t>(</m:t>
-                    </m:r>
-                    <m:r>
-                      <a:rPr lang="nl-BE" b="0" i="1" smtClean="0">
-                        <a:latin typeface="Cambria Math" panose="02040503050406030204" pitchFamily="18" charset="0"/>
-                      </a:rPr>
-                      <m:t>𝑝</m:t>
-                    </m:r>
-                    <m:r>
-                      <a:rPr lang="nl-BE" b="0" i="1" smtClean="0">
-                        <a:latin typeface="Cambria Math" panose="02040503050406030204" pitchFamily="18" charset="0"/>
-                      </a:rPr>
-                      <m:t>)</m:t>
-                    </m:r>
-                  </m:oMath>
-                </a14:m>
-                <a:endParaRPr lang="nl-BE" dirty="0"/>
-              </a:p>
-              <a:p>
-                <a14:m>
-                  <m:oMath xmlns:m="http://schemas.openxmlformats.org/officeDocument/2006/math">
-                    <m:r>
-                      <a:rPr lang="nl-BE" b="0" i="1" smtClean="0">
-                        <a:latin typeface="Cambria Math" panose="02040503050406030204" pitchFamily="18" charset="0"/>
-                      </a:rPr>
-                      <m:t>𝑝</m:t>
-                    </m:r>
-                    <m:r>
-                      <a:rPr lang="nl-BE" b="0" i="1" smtClean="0">
-                        <a:latin typeface="Cambria Math" panose="02040503050406030204" pitchFamily="18" charset="0"/>
-                      </a:rPr>
-                      <m:t> →</m:t>
-                    </m:r>
-                    <m:r>
-                      <a:rPr lang="nl-BE" b="0" i="1" smtClean="0">
-                        <a:latin typeface="Cambria Math" panose="02040503050406030204" pitchFamily="18" charset="0"/>
-                      </a:rPr>
-                      <m:t>𝑝</m:t>
-                    </m:r>
-                    <m:r>
-                      <a:rPr lang="nl-BE" b="0" i="1" smtClean="0">
-                        <a:latin typeface="Cambria Math" panose="02040503050406030204" pitchFamily="18" charset="0"/>
-                      </a:rPr>
-                      <m:t> − </m:t>
-                    </m:r>
-                    <m:r>
-                      <a:rPr lang="nl-BE" b="0" i="1" smtClean="0">
-                        <a:latin typeface="Cambria Math" panose="02040503050406030204" pitchFamily="18" charset="0"/>
-                        <a:ea typeface="Cambria Math" panose="02040503050406030204" pitchFamily="18" charset="0"/>
-                      </a:rPr>
-                      <m:t>𝛼</m:t>
-                    </m:r>
-                    <m:r>
-                      <m:rPr>
-                        <m:sty m:val="p"/>
-                      </m:rPr>
-                      <a:rPr lang="nl-BE" b="0" i="1" smtClean="0">
-                        <a:latin typeface="Cambria Math" panose="02040503050406030204" pitchFamily="18" charset="0"/>
-                        <a:ea typeface="Cambria Math" panose="02040503050406030204" pitchFamily="18" charset="0"/>
-                      </a:rPr>
-                      <m:t>∇</m:t>
-                    </m:r>
-                    <m:r>
-                      <a:rPr lang="nl-BE" b="0" i="1" smtClean="0">
-                        <a:latin typeface="Cambria Math" panose="02040503050406030204" pitchFamily="18" charset="0"/>
-                        <a:ea typeface="Cambria Math" panose="02040503050406030204" pitchFamily="18" charset="0"/>
-                      </a:rPr>
-                      <m:t>𝐶𝑜𝑠𝑡</m:t>
-                    </m:r>
-                    <m:r>
-                      <a:rPr lang="nl-BE" b="0" i="1" smtClean="0">
-                        <a:latin typeface="Cambria Math" panose="02040503050406030204" pitchFamily="18" charset="0"/>
-                        <a:ea typeface="Cambria Math" panose="02040503050406030204" pitchFamily="18" charset="0"/>
-                      </a:rPr>
-                      <m:t>(</m:t>
-                    </m:r>
-                    <m:r>
-                      <a:rPr lang="nl-BE" b="0" i="1" smtClean="0">
-                        <a:latin typeface="Cambria Math" panose="02040503050406030204" pitchFamily="18" charset="0"/>
-                        <a:ea typeface="Cambria Math" panose="02040503050406030204" pitchFamily="18" charset="0"/>
-                      </a:rPr>
-                      <m:t>𝑝</m:t>
-                    </m:r>
-                    <m:r>
-                      <a:rPr lang="nl-BE" b="0" i="1" smtClean="0">
-                        <a:latin typeface="Cambria Math" panose="02040503050406030204" pitchFamily="18" charset="0"/>
-                        <a:ea typeface="Cambria Math" panose="02040503050406030204" pitchFamily="18" charset="0"/>
-                      </a:rPr>
-                      <m:t>)</m:t>
-                    </m:r>
-                  </m:oMath>
-                </a14:m>
-                <a:r>
-                  <a:rPr lang="nl-BE" dirty="0"/>
-                  <a:t>, </a:t>
-                </a:r>
-                <a14:m>
-                  <m:oMath xmlns:m="http://schemas.openxmlformats.org/officeDocument/2006/math">
-                    <m:r>
-                      <a:rPr lang="nl-BE" i="1">
-                        <a:latin typeface="Cambria Math" panose="02040503050406030204" pitchFamily="18" charset="0"/>
-                        <a:ea typeface="Cambria Math" panose="02040503050406030204" pitchFamily="18" charset="0"/>
-                      </a:rPr>
-                      <m:t>𝛼</m:t>
-                    </m:r>
-                  </m:oMath>
-                </a14:m>
-                <a:r>
-                  <a:rPr lang="nl-BE" dirty="0"/>
-                  <a:t> = stap-grootte</a:t>
-                </a:r>
-              </a:p>
-            </p:txBody>
-          </p:sp>
-        </mc:Choice>
-        <mc:Fallback xmlns="">
-          <p:sp>
-            <p:nvSpPr>
-              <p:cNvPr id="2" name="Tijdelijke aanduiding voor inhoud 1">
-                <a:extLst>
-                  <a:ext uri="{FF2B5EF4-FFF2-40B4-BE49-F238E27FC236}">
-                    <a16:creationId xmlns:a16="http://schemas.microsoft.com/office/drawing/2014/main" id="{791F80F6-7C99-40AA-9E6A-1079D32855E1}"/>
-                  </a:ext>
-                </a:extLst>
-              </p:cNvPr>
-              <p:cNvSpPr>
-                <a:spLocks noGrp="1" noRot="1" noChangeAspect="1" noMove="1" noResize="1" noEditPoints="1" noAdjustHandles="1" noChangeArrowheads="1" noChangeShapeType="1" noTextEdit="1"/>
-              </p:cNvSpPr>
-              <p:nvPr>
-                <p:ph idx="1"/>
-              </p:nvPr>
-            </p:nvSpPr>
-            <p:spPr>
-              <a:blipFill>
-                <a:blip r:embed="rId2"/>
-                <a:stretch>
-                  <a:fillRect l="-828" t="-956" b="-1776"/>
-                </a:stretch>
-              </a:blipFill>
-            </p:spPr>
-            <p:txBody>
-              <a:bodyPr/>
-              <a:lstStyle/>
-              <a:p>
-                <a:r>
-                  <a:rPr lang="nl-BE">
-                    <a:noFill/>
-                  </a:rPr>
-                  <a:t> </a:t>
-                </a:r>
-              </a:p>
-            </p:txBody>
-          </p:sp>
-        </mc:Fallback>
-      </mc:AlternateContent>
-      <p:sp>
-        <p:nvSpPr>
-          <p:cNvPr id="3" name="Tijdelijke aanduiding voor voettekst 2">
-            <a:extLst>
-              <a:ext uri="{FF2B5EF4-FFF2-40B4-BE49-F238E27FC236}">
-                <a16:creationId xmlns:a16="http://schemas.microsoft.com/office/drawing/2014/main" id="{AC20FBC6-81D6-44AD-8B6B-BDC5979550B0}"/>
-              </a:ext>
-            </a:extLst>
-          </p:cNvPr>
-          <p:cNvSpPr>
-            <a:spLocks noGrp="1"/>
-          </p:cNvSpPr>
-          <p:nvPr>
-            <p:ph type="ftr" sz="quarter" idx="11"/>
-          </p:nvPr>
-        </p:nvSpPr>
-        <p:spPr/>
-        <p:txBody>
-          <a:bodyPr/>
-          <a:lstStyle/>
-          <a:p>
-            <a:r>
-              <a:rPr lang="nl-NL" dirty="0"/>
-              <a:t>Faculteit wetenschappen</a:t>
-            </a:r>
-          </a:p>
-        </p:txBody>
-      </p:sp>
-      <p:sp>
-        <p:nvSpPr>
-          <p:cNvPr id="4" name="Tijdelijke aanduiding voor dianummer 3">
-            <a:extLst>
-              <a:ext uri="{FF2B5EF4-FFF2-40B4-BE49-F238E27FC236}">
-                <a16:creationId xmlns:a16="http://schemas.microsoft.com/office/drawing/2014/main" id="{E7643AC6-B745-443E-BE95-B35603B681BD}"/>
-              </a:ext>
-            </a:extLst>
-          </p:cNvPr>
-          <p:cNvSpPr>
-            <a:spLocks noGrp="1"/>
-          </p:cNvSpPr>
-          <p:nvPr>
-            <p:ph type="sldNum" sz="quarter" idx="12"/>
-          </p:nvPr>
-        </p:nvSpPr>
-        <p:spPr/>
-        <p:txBody>
-          <a:bodyPr/>
-          <a:lstStyle/>
-          <a:p>
-            <a:fld id="{0A297500-7527-634B-90F4-69D0994C32B4}" type="slidenum">
-              <a:rPr lang="nl-NL" smtClean="0"/>
-              <a:t>5</a:t>
-            </a:fld>
-            <a:endParaRPr lang="nl-NL"/>
-          </a:p>
-        </p:txBody>
-      </p:sp>
-      <p:sp>
-        <p:nvSpPr>
-          <p:cNvPr id="5" name="Titel 4">
-            <a:extLst>
-              <a:ext uri="{FF2B5EF4-FFF2-40B4-BE49-F238E27FC236}">
-                <a16:creationId xmlns:a16="http://schemas.microsoft.com/office/drawing/2014/main" id="{B43412E4-AA0D-4F9A-96B0-400C649D8A5C}"/>
-              </a:ext>
-            </a:extLst>
-          </p:cNvPr>
-          <p:cNvSpPr>
-            <a:spLocks noGrp="1"/>
-          </p:cNvSpPr>
-          <p:nvPr>
-            <p:ph type="title"/>
-          </p:nvPr>
-        </p:nvSpPr>
-        <p:spPr/>
-        <p:txBody>
-          <a:bodyPr/>
-          <a:lstStyle/>
-          <a:p>
-            <a:r>
-              <a:rPr lang="nl-BE" dirty="0"/>
-              <a:t>Hoe kan het netwerk leren? (old)</a:t>
-            </a:r>
-          </a:p>
-        </p:txBody>
-      </p:sp>
-      <p:pic>
-        <p:nvPicPr>
-          <p:cNvPr id="2052" name="Picture 4" descr="AI researchers allege that machine learning is alchemy | Science | AAAS">
-            <a:extLst>
-              <a:ext uri="{FF2B5EF4-FFF2-40B4-BE49-F238E27FC236}">
-                <a16:creationId xmlns:a16="http://schemas.microsoft.com/office/drawing/2014/main" id="{4390AB37-4252-4B1F-AC1A-08E985B39A91}"/>
-              </a:ext>
-            </a:extLst>
-          </p:cNvPr>
-          <p:cNvPicPr>
-            <a:picLocks noChangeAspect="1" noChangeArrowheads="1"/>
-          </p:cNvPicPr>
-          <p:nvPr/>
-        </p:nvPicPr>
-        <p:blipFill>
-          <a:blip r:embed="rId3">
-            <a:extLst>
-              <a:ext uri="{28A0092B-C50C-407E-A947-70E740481C1C}">
-                <a14:useLocalDpi xmlns:a14="http://schemas.microsoft.com/office/drawing/2010/main" val="0"/>
-              </a:ext>
-            </a:extLst>
-          </a:blip>
-          <a:srcRect/>
-          <a:stretch>
-            <a:fillRect/>
-          </a:stretch>
-        </p:blipFill>
-        <p:spPr bwMode="auto">
-          <a:xfrm>
-            <a:off x="7330950" y="1656000"/>
-            <a:ext cx="4286250" cy="2409825"/>
-          </a:xfrm>
-          <a:prstGeom prst="ellipse">
-            <a:avLst/>
-          </a:prstGeom>
-          <a:ln>
-            <a:noFill/>
-          </a:ln>
-          <a:effectLst>
-            <a:softEdge rad="112500"/>
-          </a:effectLst>
-          <a:extLst>
-            <a:ext uri="{909E8E84-426E-40DD-AFC4-6F175D3DCCD1}">
-              <a14:hiddenFill xmlns:a14="http://schemas.microsoft.com/office/drawing/2010/main">
-                <a:solidFill>
-                  <a:srgbClr val="FFFFFF"/>
-                </a:solidFill>
-              </a14:hiddenFill>
-            </a:ext>
-          </a:extLst>
-        </p:spPr>
-      </p:pic>
-    </p:spTree>
-    <p:extLst>
-      <p:ext uri="{BB962C8B-B14F-4D97-AF65-F5344CB8AC3E}">
-        <p14:creationId xmlns:p14="http://schemas.microsoft.com/office/powerpoint/2010/main" val="3671640486"/>
-      </p:ext>
-    </p:extLst>
-  </p:cSld>
-  <p:clrMapOvr>
-    <a:masterClrMapping/>
-  </p:clrMapOvr>
-</p:sld>
-</file>
-
-<file path=ppt/slides/slide6.xml><?xml version="1.0" encoding="utf-8"?>
-<p:sld xmlns:a="http://schemas.openxmlformats.org/drawingml/2006/main" xmlns:r="http://schemas.openxmlformats.org/officeDocument/2006/relationships" xmlns:p="http://schemas.openxmlformats.org/presentationml/2006/main">
-  <p:cSld>
-    <p:spTree>
-      <p:nvGrpSpPr>
-        <p:cNvPr id="1" name=""/>
-        <p:cNvGrpSpPr/>
-        <p:nvPr/>
-      </p:nvGrpSpPr>
-      <p:grpSpPr>
-        <a:xfrm>
-          <a:off x="0" y="0"/>
-          <a:ext cx="0" cy="0"/>
-          <a:chOff x="0" y="0"/>
-          <a:chExt cx="0" cy="0"/>
-        </a:xfrm>
-      </p:grpSpPr>
-      <mc:AlternateContent xmlns:mc="http://schemas.openxmlformats.org/markup-compatibility/2006" xmlns:a14="http://schemas.microsoft.com/office/drawing/2010/main">
-        <mc:Choice Requires="a14">
+      <mc:AlternateContent xmlns:mc="http://schemas.openxmlformats.org/markup-compatibility/2006">
+        <mc:Choice xmlns:a14="http://schemas.microsoft.com/office/drawing/2010/main" Requires="a14">
           <p:sp>
             <p:nvSpPr>
               <p:cNvPr id="2" name="Tijdelijke aanduiding voor inhoud 1">
@@ -11193,7 +10052,31 @@
                 </a:pPr>
                 <a:r>
                   <a:rPr lang="nl-BE" dirty="0"/>
-                  <a:t>Gekende trainingsoutput vergelijken met werkelijke output</a:t>
+                  <a:t>Verwachte output vergelijken met netwerkoutput </a:t>
+                </a:r>
+                <a:r>
+                  <a:rPr lang="nl-BE" dirty="0">
+                    <a:highlight>
+                      <a:srgbClr val="FFFF00"/>
+                    </a:highlight>
+                  </a:rPr>
+                  <a:t>(</a:t>
+                </a:r>
+                <a:r>
+                  <a:rPr lang="nl-BE" dirty="0" err="1">
+                    <a:highlight>
+                      <a:srgbClr val="FFFF00"/>
+                    </a:highlight>
+                  </a:rPr>
+                  <a:t>tmp</a:t>
+                </a:r>
+                <a:r>
+                  <a:rPr lang="nl-BE" dirty="0">
+                    <a:highlight>
+                      <a:srgbClr val="FFFF00"/>
+                    </a:highlight>
+                  </a:rPr>
+                  <a:t>: trainingsdataset)</a:t>
                 </a:r>
               </a:p>
               <a:p>
@@ -11384,7 +10267,7 @@
             </p:txBody>
           </p:sp>
         </mc:Choice>
-        <mc:Fallback xmlns="">
+        <mc:Fallback>
           <p:sp>
             <p:nvSpPr>
               <p:cNvPr id="2" name="Tijdelijke aanduiding voor inhoud 1">
@@ -11418,7 +10301,7 @@
               <a:lstStyle/>
               <a:p>
                 <a:r>
-                  <a:rPr lang="en-GB">
+                  <a:rPr lang="nl-BE">
                     <a:noFill/>
                   </a:rPr>
                   <a:t> </a:t>
@@ -11479,7 +10362,7 @@
           <a:p>
             <a:fld id="{0A297500-7527-634B-90F4-69D0994C32B4}" type="slidenum">
               <a:rPr lang="nl-NL" smtClean="0"/>
-              <a:t>6</a:t>
+              <a:t>5</a:t>
             </a:fld>
             <a:endParaRPr lang="nl-NL"/>
           </a:p>
@@ -11578,7 +10461,7 @@
 </p:sld>
 </file>
 
-<file path=ppt/slides/slide7.xml><?xml version="1.0" encoding="utf-8"?>
+<file path=ppt/slides/slide6.xml><?xml version="1.0" encoding="utf-8"?>
 <p:sld xmlns:a="http://schemas.openxmlformats.org/drawingml/2006/main" xmlns:r="http://schemas.openxmlformats.org/officeDocument/2006/relationships" xmlns:p="http://schemas.openxmlformats.org/presentationml/2006/main">
   <p:cSld>
     <p:spTree>
@@ -11595,8 +10478,8 @@
           <a:chExt cx="0" cy="0"/>
         </a:xfrm>
       </p:grpSpPr>
-      <mc:AlternateContent xmlns:mc="http://schemas.openxmlformats.org/markup-compatibility/2006" xmlns:a14="http://schemas.microsoft.com/office/drawing/2010/main">
-        <mc:Choice Requires="a14">
+      <mc:AlternateContent xmlns:mc="http://schemas.openxmlformats.org/markup-compatibility/2006">
+        <mc:Choice xmlns:a14="http://schemas.microsoft.com/office/drawing/2010/main" Requires="a14">
           <p:sp>
             <p:nvSpPr>
               <p:cNvPr id="2" name="Tijdelijke aanduiding voor inhoud 1">
@@ -11613,9 +10496,16 @@
                 <p:ph idx="1"/>
               </p:nvPr>
             </p:nvSpPr>
-            <p:spPr/>
+            <p:spPr>
+              <a:xfrm>
+                <a:off x="642525" y="1507787"/>
+                <a:ext cx="11041200" cy="5960218"/>
+              </a:xfrm>
+            </p:spPr>
             <p:txBody>
-              <a:bodyPr/>
+              <a:bodyPr>
+                <a:noAutofit/>
+              </a:bodyPr>
               <a:lstStyle/>
               <a:p>
                 <a14:m>
@@ -11694,6 +10584,10 @@
                 <a:endParaRPr lang="nl-BE" dirty="0"/>
               </a:p>
               <a:p>
+                <a:pPr marL="914400" lvl="1" indent="-457200">
+                  <a:buFont typeface="+mj-lt"/>
+                  <a:buAutoNum type="arabicPeriod"/>
+                </a:pPr>
                 <a:r>
                   <a:rPr lang="nl-BE" dirty="0"/>
                   <a:t>Stap-grootte: </a:t>
@@ -11712,6 +10606,10 @@
                 <a:endParaRPr lang="nl-BE" dirty="0"/>
               </a:p>
               <a:p>
+                <a:pPr marL="914400" lvl="1" indent="-457200">
+                  <a:buFont typeface="+mj-lt"/>
+                  <a:buAutoNum type="arabicPeriod"/>
+                </a:pPr>
                 <a:r>
                   <a:rPr lang="nl-BE" dirty="0"/>
                   <a:t>Gradiënt van kostfunctie: </a:t>
@@ -11758,410 +10656,40 @@
                     </m:r>
                   </m:oMath>
                 </a14:m>
-                <a:endParaRPr lang="nl-BE" dirty="0"/>
+                <a:endParaRPr lang="nl-BE" i="1" dirty="0">
+                  <a:latin typeface="Cambria Math" panose="02040503050406030204" pitchFamily="18" charset="0"/>
+                </a:endParaRPr>
               </a:p>
               <a:p>
-                <a:pPr marL="0" indent="0">
+                <a:pPr marL="914400" lvl="1" indent="-457200">
+                  <a:buFont typeface="+mj-lt"/>
+                  <a:buAutoNum type="arabicPeriod"/>
+                </a:pPr>
+                <a:endParaRPr lang="nl-BE" i="1" dirty="0">
+                  <a:latin typeface="Cambria Math" panose="02040503050406030204" pitchFamily="18" charset="0"/>
+                </a:endParaRPr>
+              </a:p>
+              <a:p>
+                <a:pPr marL="457200" lvl="1" indent="0">
                   <a:buNone/>
                 </a:pPr>
-                <a:endParaRPr lang="nl-BE" dirty="0"/>
+                <a:endParaRPr lang="nl-BE" i="1" dirty="0">
+                  <a:latin typeface="Cambria Math" panose="02040503050406030204" pitchFamily="18" charset="0"/>
+                </a:endParaRPr>
               </a:p>
               <a:p>
-                <a:endParaRPr lang="nl-BE" dirty="0"/>
-              </a:p>
-              <a:p>
-                <a:pPr marL="0" indent="0">
+                <a:pPr marL="457200" lvl="1" indent="0">
                   <a:buNone/>
                 </a:pPr>
-                <a:r>
-                  <a:rPr lang="nl-BE" dirty="0"/>
-                  <a:t> </a:t>
-                </a:r>
-              </a:p>
-            </p:txBody>
-          </p:sp>
-        </mc:Choice>
-        <mc:Fallback xmlns="">
-          <p:sp>
-            <p:nvSpPr>
-              <p:cNvPr id="2" name="Tijdelijke aanduiding voor inhoud 1">
-                <a:extLst>
-                  <a:ext uri="{FF2B5EF4-FFF2-40B4-BE49-F238E27FC236}">
-                    <a16:creationId xmlns:a16="http://schemas.microsoft.com/office/drawing/2014/main" id="{FAD5BCBE-B7FB-4D4B-94CB-CC236D9B6C93}"/>
-                  </a:ext>
-                </a:extLst>
-              </p:cNvPr>
-              <p:cNvSpPr>
-                <a:spLocks noGrp="1" noRot="1" noChangeAspect="1" noMove="1" noResize="1" noEditPoints="1" noAdjustHandles="1" noChangeArrowheads="1" noChangeShapeType="1" noTextEdit="1"/>
-              </p:cNvSpPr>
-              <p:nvPr>
-                <p:ph idx="1"/>
-              </p:nvPr>
-            </p:nvSpPr>
-            <p:spPr>
-              <a:blipFill>
-                <a:blip r:embed="rId2"/>
-                <a:stretch>
-                  <a:fillRect l="-717" t="-410"/>
-                </a:stretch>
-              </a:blipFill>
-            </p:spPr>
-            <p:txBody>
-              <a:bodyPr/>
-              <a:lstStyle/>
-              <a:p>
-                <a:r>
-                  <a:rPr lang="en-GB">
-                    <a:noFill/>
-                  </a:rPr>
-                  <a:t> </a:t>
-                </a:r>
-              </a:p>
-            </p:txBody>
-          </p:sp>
-        </mc:Fallback>
-      </mc:AlternateContent>
-      <p:sp>
-        <p:nvSpPr>
-          <p:cNvPr id="3" name="Tijdelijke aanduiding voor voettekst 2">
-            <a:extLst>
-              <a:ext uri="{FF2B5EF4-FFF2-40B4-BE49-F238E27FC236}">
-                <a16:creationId xmlns:a16="http://schemas.microsoft.com/office/drawing/2014/main" id="{C05A2471-57E6-4C06-A9AA-8F2D2956480A}"/>
-              </a:ext>
-            </a:extLst>
-          </p:cNvPr>
-          <p:cNvSpPr>
-            <a:spLocks noGrp="1"/>
-          </p:cNvSpPr>
-          <p:nvPr>
-            <p:ph type="ftr" sz="quarter" idx="11"/>
-          </p:nvPr>
-        </p:nvSpPr>
-        <p:spPr/>
-        <p:txBody>
-          <a:bodyPr/>
-          <a:lstStyle/>
-          <a:p>
-            <a:r>
-              <a:rPr lang="nl-NL"/>
-              <a:t>Faculteit wetenschappen</a:t>
-            </a:r>
-          </a:p>
-        </p:txBody>
-      </p:sp>
-      <p:sp>
-        <p:nvSpPr>
-          <p:cNvPr id="4" name="Tijdelijke aanduiding voor dianummer 3">
-            <a:extLst>
-              <a:ext uri="{FF2B5EF4-FFF2-40B4-BE49-F238E27FC236}">
-                <a16:creationId xmlns:a16="http://schemas.microsoft.com/office/drawing/2014/main" id="{A3FDD983-CE06-4B5A-8CF6-6B08FA5FA3E5}"/>
-              </a:ext>
-            </a:extLst>
-          </p:cNvPr>
-          <p:cNvSpPr>
-            <a:spLocks noGrp="1"/>
-          </p:cNvSpPr>
-          <p:nvPr>
-            <p:ph type="sldNum" sz="quarter" idx="12"/>
-          </p:nvPr>
-        </p:nvSpPr>
-        <p:spPr/>
-        <p:txBody>
-          <a:bodyPr/>
-          <a:lstStyle/>
-          <a:p>
-            <a:fld id="{0A297500-7527-634B-90F4-69D0994C32B4}" type="slidenum">
-              <a:rPr lang="nl-NL" smtClean="0"/>
-              <a:t>7</a:t>
-            </a:fld>
-            <a:endParaRPr lang="nl-NL"/>
-          </a:p>
-        </p:txBody>
-      </p:sp>
-      <p:sp>
-        <p:nvSpPr>
-          <p:cNvPr id="5" name="Titel 4">
-            <a:extLst>
-              <a:ext uri="{FF2B5EF4-FFF2-40B4-BE49-F238E27FC236}">
-                <a16:creationId xmlns:a16="http://schemas.microsoft.com/office/drawing/2014/main" id="{0215D0C6-793C-48F6-8C66-872907A593B7}"/>
-              </a:ext>
-            </a:extLst>
-          </p:cNvPr>
-          <p:cNvSpPr>
-            <a:spLocks noGrp="1"/>
-          </p:cNvSpPr>
-          <p:nvPr>
-            <p:ph type="title"/>
-          </p:nvPr>
-        </p:nvSpPr>
-        <p:spPr/>
-        <p:txBody>
-          <a:bodyPr/>
-          <a:lstStyle/>
-          <a:p>
-            <a:r>
-              <a:rPr lang="nl-BE" dirty="0"/>
-              <a:t>Gradient descent (old)</a:t>
-            </a:r>
-          </a:p>
-        </p:txBody>
-      </p:sp>
-      <p:pic>
-        <p:nvPicPr>
-          <p:cNvPr id="2050" name="Picture 2" descr="Intro to optimization in deep learning: Gradient Descent">
-            <a:extLst>
-              <a:ext uri="{FF2B5EF4-FFF2-40B4-BE49-F238E27FC236}">
-                <a16:creationId xmlns:a16="http://schemas.microsoft.com/office/drawing/2014/main" id="{18C04BB7-6BC6-4166-8FD8-9DB4313B7EAD}"/>
-              </a:ext>
-            </a:extLst>
-          </p:cNvPr>
-          <p:cNvPicPr>
-            <a:picLocks noChangeAspect="1" noChangeArrowheads="1"/>
-          </p:cNvPicPr>
-          <p:nvPr/>
-        </p:nvPicPr>
-        <p:blipFill rotWithShape="1">
-          <a:blip r:embed="rId3">
-            <a:extLst>
-              <a:ext uri="{28A0092B-C50C-407E-A947-70E740481C1C}">
-                <a14:useLocalDpi xmlns:a14="http://schemas.microsoft.com/office/drawing/2010/main" val="0"/>
-              </a:ext>
-            </a:extLst>
-          </a:blip>
-          <a:srcRect t="7276"/>
-          <a:stretch/>
-        </p:blipFill>
-        <p:spPr bwMode="auto">
-          <a:xfrm>
-            <a:off x="6645353" y="1311768"/>
-            <a:ext cx="5546647" cy="4234464"/>
-          </a:xfrm>
-          <a:prstGeom prst="rect">
-            <a:avLst/>
-          </a:prstGeom>
-          <a:noFill/>
-          <a:extLst>
-            <a:ext uri="{909E8E84-426E-40DD-AFC4-6F175D3DCCD1}">
-              <a14:hiddenFill xmlns:a14="http://schemas.microsoft.com/office/drawing/2010/main">
-                <a:solidFill>
-                  <a:srgbClr val="FFFFFF"/>
-                </a:solidFill>
-              </a14:hiddenFill>
-            </a:ext>
-          </a:extLst>
-        </p:spPr>
-      </p:pic>
-    </p:spTree>
-    <p:extLst>
-      <p:ext uri="{BB962C8B-B14F-4D97-AF65-F5344CB8AC3E}">
-        <p14:creationId xmlns:p14="http://schemas.microsoft.com/office/powerpoint/2010/main" val="2536933359"/>
-      </p:ext>
-    </p:extLst>
-  </p:cSld>
-  <p:clrMapOvr>
-    <a:masterClrMapping/>
-  </p:clrMapOvr>
-</p:sld>
-</file>
-
-<file path=ppt/slides/slide8.xml><?xml version="1.0" encoding="utf-8"?>
-<p:sld xmlns:a="http://schemas.openxmlformats.org/drawingml/2006/main" xmlns:r="http://schemas.openxmlformats.org/officeDocument/2006/relationships" xmlns:p="http://schemas.openxmlformats.org/presentationml/2006/main">
-  <p:cSld>
-    <p:spTree>
-      <p:nvGrpSpPr>
-        <p:cNvPr id="1" name=""/>
-        <p:cNvGrpSpPr/>
-        <p:nvPr/>
-      </p:nvGrpSpPr>
-      <p:grpSpPr>
-        <a:xfrm>
-          <a:off x="0" y="0"/>
-          <a:ext cx="0" cy="0"/>
-          <a:chOff x="0" y="0"/>
-          <a:chExt cx="0" cy="0"/>
-        </a:xfrm>
-      </p:grpSpPr>
-      <mc:AlternateContent xmlns:mc="http://schemas.openxmlformats.org/markup-compatibility/2006" xmlns:a14="http://schemas.microsoft.com/office/drawing/2010/main">
-        <mc:Choice Requires="a14">
-          <p:sp>
-            <p:nvSpPr>
-              <p:cNvPr id="2" name="Tijdelijke aanduiding voor inhoud 1">
-                <a:extLst>
-                  <a:ext uri="{FF2B5EF4-FFF2-40B4-BE49-F238E27FC236}">
-                    <a16:creationId xmlns:a16="http://schemas.microsoft.com/office/drawing/2014/main" id="{FAD5BCBE-B7FB-4D4B-94CB-CC236D9B6C93}"/>
-                  </a:ext>
-                </a:extLst>
-              </p:cNvPr>
-              <p:cNvSpPr>
-                <a:spLocks noGrp="1"/>
-              </p:cNvSpPr>
-              <p:nvPr>
-                <p:ph idx="1"/>
-              </p:nvPr>
-            </p:nvSpPr>
-            <p:spPr/>
-            <p:txBody>
-              <a:bodyPr>
-                <a:normAutofit fontScale="55000" lnSpcReduction="20000"/>
-              </a:bodyPr>
-              <a:lstStyle/>
-              <a:p>
-                <a14:m>
-                  <m:oMath xmlns:m="http://schemas.openxmlformats.org/officeDocument/2006/math">
-                    <m:r>
-                      <a:rPr lang="nl-BE" sz="3800" b="0" i="1" smtClean="0">
-                        <a:latin typeface="Cambria Math" panose="02040503050406030204" pitchFamily="18" charset="0"/>
-                      </a:rPr>
-                      <m:t>𝑝</m:t>
-                    </m:r>
-                    <m:r>
-                      <a:rPr lang="nl-BE" sz="3800" b="0" i="1" smtClean="0">
-                        <a:latin typeface="Cambria Math" panose="02040503050406030204" pitchFamily="18" charset="0"/>
-                      </a:rPr>
-                      <m:t> →</m:t>
-                    </m:r>
-                    <m:r>
-                      <a:rPr lang="nl-BE" sz="3800" b="0" i="1" smtClean="0">
-                        <a:latin typeface="Cambria Math" panose="02040503050406030204" pitchFamily="18" charset="0"/>
-                      </a:rPr>
-                      <m:t>𝑝</m:t>
-                    </m:r>
-                    <m:r>
-                      <a:rPr lang="nl-BE" sz="3800" b="0" i="1" smtClean="0">
-                        <a:latin typeface="Cambria Math" panose="02040503050406030204" pitchFamily="18" charset="0"/>
-                      </a:rPr>
-                      <m:t> − </m:t>
-                    </m:r>
-                    <m:r>
-                      <a:rPr lang="nl-BE" sz="3800" b="0" i="1" smtClean="0">
-                        <a:latin typeface="Cambria Math" panose="02040503050406030204" pitchFamily="18" charset="0"/>
-                        <a:ea typeface="Cambria Math" panose="02040503050406030204" pitchFamily="18" charset="0"/>
-                      </a:rPr>
-                      <m:t>𝛼</m:t>
-                    </m:r>
-                    <m:r>
-                      <m:rPr>
-                        <m:sty m:val="p"/>
-                      </m:rPr>
-                      <a:rPr lang="nl-BE" sz="3800" b="0" i="1" smtClean="0">
-                        <a:latin typeface="Cambria Math" panose="02040503050406030204" pitchFamily="18" charset="0"/>
-                        <a:ea typeface="Cambria Math" panose="02040503050406030204" pitchFamily="18" charset="0"/>
-                      </a:rPr>
-                      <m:t>∇</m:t>
-                    </m:r>
-                    <m:r>
-                      <a:rPr lang="nl-BE" sz="3800" b="0" i="1" smtClean="0">
-                        <a:latin typeface="Cambria Math" panose="02040503050406030204" pitchFamily="18" charset="0"/>
-                        <a:ea typeface="Cambria Math" panose="02040503050406030204" pitchFamily="18" charset="0"/>
-                      </a:rPr>
-                      <m:t>𝐶𝑜𝑠𝑡</m:t>
-                    </m:r>
-                    <m:r>
-                      <a:rPr lang="nl-BE" sz="3800" b="0" i="1" smtClean="0">
-                        <a:latin typeface="Cambria Math" panose="02040503050406030204" pitchFamily="18" charset="0"/>
-                        <a:ea typeface="Cambria Math" panose="02040503050406030204" pitchFamily="18" charset="0"/>
-                      </a:rPr>
-                      <m:t>(</m:t>
-                    </m:r>
-                    <m:r>
-                      <a:rPr lang="nl-BE" sz="3800" b="0" i="1" smtClean="0">
-                        <a:latin typeface="Cambria Math" panose="02040503050406030204" pitchFamily="18" charset="0"/>
-                        <a:ea typeface="Cambria Math" panose="02040503050406030204" pitchFamily="18" charset="0"/>
-                      </a:rPr>
-                      <m:t>𝑝</m:t>
-                    </m:r>
-                    <m:r>
-                      <a:rPr lang="nl-BE" sz="3800" b="0" i="1" smtClean="0">
-                        <a:latin typeface="Cambria Math" panose="02040503050406030204" pitchFamily="18" charset="0"/>
-                        <a:ea typeface="Cambria Math" panose="02040503050406030204" pitchFamily="18" charset="0"/>
-                      </a:rPr>
-                      <m:t>)</m:t>
-                    </m:r>
-                  </m:oMath>
-                </a14:m>
-                <a:endParaRPr lang="nl-BE" sz="3800" dirty="0"/>
-              </a:p>
-              <a:p>
-                <a:pPr marL="0" indent="0">
-                  <a:buNone/>
-                </a:pPr>
-                <a:r>
-                  <a:rPr lang="nl-BE" sz="3800" dirty="0"/>
-                  <a:t>Stap-grootte: </a:t>
-                </a:r>
-                <a14:m>
-                  <m:oMath xmlns:m="http://schemas.openxmlformats.org/officeDocument/2006/math">
-                    <m:r>
-                      <a:rPr lang="nl-BE" sz="3800" b="0" i="1" smtClean="0">
-                        <a:latin typeface="Cambria Math" panose="02040503050406030204" pitchFamily="18" charset="0"/>
-                        <a:ea typeface="Cambria Math" panose="02040503050406030204" pitchFamily="18" charset="0"/>
-                      </a:rPr>
-                      <m:t>𝛼</m:t>
-                    </m:r>
-                  </m:oMath>
-                </a14:m>
-                <a:endParaRPr lang="nl-BE" sz="3800" dirty="0"/>
-              </a:p>
-              <a:p>
-                <a:pPr marL="0" indent="0">
-                  <a:buNone/>
-                </a:pPr>
-                <a:r>
-                  <a:rPr lang="nl-BE" sz="3800" dirty="0"/>
-                  <a:t>Gradiënt van kostfunctie: </a:t>
-                </a:r>
-                <a14:m>
-                  <m:oMath xmlns:m="http://schemas.openxmlformats.org/officeDocument/2006/math">
-                    <m:r>
-                      <m:rPr>
-                        <m:sty m:val="p"/>
-                      </m:rPr>
-                      <a:rPr lang="nl-BE" sz="3800" b="0" i="1" smtClean="0">
-                        <a:latin typeface="Cambria Math" panose="02040503050406030204" pitchFamily="18" charset="0"/>
-                        <a:ea typeface="Cambria Math" panose="02040503050406030204" pitchFamily="18" charset="0"/>
-                      </a:rPr>
-                      <m:t>∇</m:t>
-                    </m:r>
-                    <m:r>
-                      <a:rPr lang="nl-BE" sz="3800" b="0" i="1" smtClean="0">
-                        <a:latin typeface="Cambria Math" panose="02040503050406030204" pitchFamily="18" charset="0"/>
-                        <a:ea typeface="Cambria Math" panose="02040503050406030204" pitchFamily="18" charset="0"/>
-                      </a:rPr>
-                      <m:t>𝐶𝑜𝑠𝑡</m:t>
-                    </m:r>
-                    <m:r>
-                      <a:rPr lang="nl-BE" sz="3800" b="0" i="1" smtClean="0">
-                        <a:latin typeface="Cambria Math" panose="02040503050406030204" pitchFamily="18" charset="0"/>
-                        <a:ea typeface="Cambria Math" panose="02040503050406030204" pitchFamily="18" charset="0"/>
-                      </a:rPr>
-                      <m:t>(</m:t>
-                    </m:r>
-                    <m:r>
-                      <a:rPr lang="nl-BE" sz="3800" b="0" i="1" smtClean="0">
-                        <a:latin typeface="Cambria Math" panose="02040503050406030204" pitchFamily="18" charset="0"/>
-                        <a:ea typeface="Cambria Math" panose="02040503050406030204" pitchFamily="18" charset="0"/>
-                      </a:rPr>
-                      <m:t>𝑝</m:t>
-                    </m:r>
-                    <m:r>
-                      <a:rPr lang="nl-BE" sz="3800" b="0" i="1" smtClean="0">
-                        <a:latin typeface="Cambria Math" panose="02040503050406030204" pitchFamily="18" charset="0"/>
-                        <a:ea typeface="Cambria Math" panose="02040503050406030204" pitchFamily="18" charset="0"/>
-                      </a:rPr>
-                      <m:t>)</m:t>
-                    </m:r>
-                  </m:oMath>
-                </a14:m>
-                <a:endParaRPr lang="nl-BE" sz="3800" dirty="0"/>
-              </a:p>
-              <a:p>
-                <a:endParaRPr lang="nl-BE" sz="3800" dirty="0"/>
+                <a:endParaRPr lang="nl-BE" i="1" dirty="0">
+                  <a:latin typeface="Cambria Math" panose="02040503050406030204" pitchFamily="18" charset="0"/>
+                </a:endParaRPr>
               </a:p>
               <a:p>
                 <a14:m>
                   <m:oMath xmlns:m="http://schemas.openxmlformats.org/officeDocument/2006/math">
                     <m:r>
-                      <a:rPr lang="nl-BE" sz="3800" i="1">
+                      <a:rPr lang="nl-BE" i="1">
                         <a:latin typeface="Cambria Math" panose="02040503050406030204" pitchFamily="18" charset="0"/>
                       </a:rPr>
                       <m:t>−</m:t>
@@ -12170,35 +10698,35 @@
                       <m:rPr>
                         <m:sty m:val="p"/>
                       </m:rPr>
-                      <a:rPr lang="nl-BE" sz="3800" b="0" i="1" smtClean="0">
+                      <a:rPr lang="nl-BE" b="0" i="1" smtClean="0">
                         <a:latin typeface="Cambria Math" panose="02040503050406030204" pitchFamily="18" charset="0"/>
                         <a:ea typeface="Cambria Math" panose="02040503050406030204" pitchFamily="18" charset="0"/>
                       </a:rPr>
                       <m:t>∇</m:t>
                     </m:r>
                     <m:r>
-                      <a:rPr lang="nl-BE" sz="3800" b="0" i="1" smtClean="0">
+                      <a:rPr lang="nl-BE" b="0" i="1" smtClean="0">
                         <a:latin typeface="Cambria Math" panose="02040503050406030204" pitchFamily="18" charset="0"/>
                         <a:ea typeface="Cambria Math" panose="02040503050406030204" pitchFamily="18" charset="0"/>
                       </a:rPr>
                       <m:t>𝐶𝑜𝑠𝑡</m:t>
                     </m:r>
                     <m:r>
-                      <a:rPr lang="nl-BE" sz="3800" b="0" i="1" smtClean="0">
+                      <a:rPr lang="nl-BE" b="0" i="1" smtClean="0">
                         <a:latin typeface="Cambria Math" panose="02040503050406030204" pitchFamily="18" charset="0"/>
                         <a:ea typeface="Cambria Math" panose="02040503050406030204" pitchFamily="18" charset="0"/>
                       </a:rPr>
                       <m:t>(</m:t>
                     </m:r>
                     <m:r>
-                      <a:rPr lang="nl-BE" sz="3800" b="0" i="1" smtClean="0">
+                      <a:rPr lang="nl-BE" b="0" i="1" smtClean="0">
                         <a:latin typeface="Cambria Math" panose="02040503050406030204" pitchFamily="18" charset="0"/>
                         <a:ea typeface="Cambria Math" panose="02040503050406030204" pitchFamily="18" charset="0"/>
                       </a:rPr>
                       <m:t>𝑝</m:t>
                     </m:r>
                     <m:r>
-                      <a:rPr lang="nl-BE" sz="3800" b="0" i="1" smtClean="0">
+                      <a:rPr lang="nl-BE" b="0" i="1" smtClean="0">
                         <a:latin typeface="Cambria Math" panose="02040503050406030204" pitchFamily="18" charset="0"/>
                         <a:ea typeface="Cambria Math" panose="02040503050406030204" pitchFamily="18" charset="0"/>
                       </a:rPr>
@@ -12207,8 +10735,8 @@
                   </m:oMath>
                 </a14:m>
                 <a:r>
-                  <a:rPr lang="nl-BE" sz="3800" dirty="0"/>
-                  <a:t> is de richting waar de functie</a:t>
+                  <a:rPr lang="nl-BE" dirty="0"/>
+                  <a:t> is de richting waarin de functie</a:t>
                 </a:r>
               </a:p>
               <a:p>
@@ -12216,19 +10744,19 @@
                   <a:buNone/>
                 </a:pPr>
                 <a:r>
-                  <a:rPr lang="nl-BE" sz="3800" dirty="0"/>
-                  <a:t>   het hardste daalt</a:t>
+                  <a:rPr lang="nl-BE" dirty="0"/>
+                  <a:t>   het sterkst daalt</a:t>
                 </a:r>
               </a:p>
               <a:p>
                 <a:r>
-                  <a:rPr lang="nl-BE" sz="3800" dirty="0"/>
+                  <a:rPr lang="nl-BE" dirty="0"/>
                   <a:t>Stap te groot: mogelijk om over minimum te springen</a:t>
                 </a:r>
               </a:p>
               <a:p>
                 <a:r>
-                  <a:rPr lang="nl-BE" sz="3800" dirty="0"/>
+                  <a:rPr lang="nl-BE" dirty="0"/>
                   <a:t>Stap te klein: algoritme te traag</a:t>
                 </a:r>
               </a:p>
@@ -12256,7 +10784,7 @@
             </p:txBody>
           </p:sp>
         </mc:Choice>
-        <mc:Fallback xmlns="">
+        <mc:Fallback>
           <p:sp>
             <p:nvSpPr>
               <p:cNvPr id="2" name="Tijdelijke aanduiding voor inhoud 1">
@@ -12274,10 +10802,14 @@
               </p:nvPr>
             </p:nvSpPr>
             <p:spPr>
+              <a:xfrm>
+                <a:off x="642525" y="1507787"/>
+                <a:ext cx="11041200" cy="5960218"/>
+              </a:xfrm>
               <a:blipFill>
                 <a:blip r:embed="rId2"/>
                 <a:stretch>
-                  <a:fillRect l="-662" t="-410"/>
+                  <a:fillRect l="-717" t="-307"/>
                 </a:stretch>
               </a:blipFill>
             </p:spPr>
@@ -12286,7 +10818,7 @@
               <a:lstStyle/>
               <a:p>
                 <a:r>
-                  <a:rPr lang="en-GB">
+                  <a:rPr lang="nl-BE">
                     <a:noFill/>
                   </a:rPr>
                   <a:t> </a:t>
@@ -12347,7 +10879,7 @@
           <a:p>
             <a:fld id="{0A297500-7527-634B-90F4-69D0994C32B4}" type="slidenum">
               <a:rPr lang="nl-NL" smtClean="0"/>
-              <a:t>8</a:t>
+              <a:t>6</a:t>
             </a:fld>
             <a:endParaRPr lang="nl-NL"/>
           </a:p>
@@ -12417,7 +10949,7 @@
         </p:blipFill>
         <p:spPr bwMode="auto">
           <a:xfrm>
-            <a:off x="7167716" y="1001949"/>
+            <a:off x="7089895" y="1001949"/>
             <a:ext cx="5024284" cy="3784793"/>
           </a:xfrm>
           <a:prstGeom prst="rect">
@@ -12448,7 +10980,7 @@
 </p:sld>
 </file>
 
-<file path=ppt/slides/slide9.xml><?xml version="1.0" encoding="utf-8"?>
+<file path=ppt/slides/slide7.xml><?xml version="1.0" encoding="utf-8"?>
 <p:sld xmlns:a="http://schemas.openxmlformats.org/drawingml/2006/main" xmlns:r="http://schemas.openxmlformats.org/officeDocument/2006/relationships" xmlns:p="http://schemas.openxmlformats.org/presentationml/2006/main">
   <p:cSld>
     <p:spTree>
@@ -12545,7 +11077,7 @@
           <a:p>
             <a:fld id="{0A297500-7527-634B-90F4-69D0994C32B4}" type="slidenum">
               <a:rPr lang="nl-NL" smtClean="0"/>
-              <a:t>9</a:t>
+              <a:t>7</a:t>
             </a:fld>
             <a:endParaRPr lang="nl-NL"/>
           </a:p>
@@ -12919,6 +11451,766 @@
     <p:extLst>
       <p:ext uri="{BB962C8B-B14F-4D97-AF65-F5344CB8AC3E}">
         <p14:creationId xmlns:p14="http://schemas.microsoft.com/office/powerpoint/2010/main" val="2014040813"/>
+      </p:ext>
+    </p:extLst>
+  </p:cSld>
+  <p:clrMapOvr>
+    <a:masterClrMapping/>
+  </p:clrMapOvr>
+</p:sld>
+</file>
+
+<file path=ppt/slides/slide8.xml><?xml version="1.0" encoding="utf-8"?>
+<p:sld xmlns:a="http://schemas.openxmlformats.org/drawingml/2006/main" xmlns:r="http://schemas.openxmlformats.org/officeDocument/2006/relationships" xmlns:p="http://schemas.openxmlformats.org/presentationml/2006/main">
+  <p:cSld>
+    <p:spTree>
+      <p:nvGrpSpPr>
+        <p:cNvPr id="1" name=""/>
+        <p:cNvGrpSpPr/>
+        <p:nvPr/>
+      </p:nvGrpSpPr>
+      <p:grpSpPr>
+        <a:xfrm>
+          <a:off x="0" y="0"/>
+          <a:ext cx="0" cy="0"/>
+          <a:chOff x="0" y="0"/>
+          <a:chExt cx="0" cy="0"/>
+        </a:xfrm>
+      </p:grpSpPr>
+      <mc:AlternateContent xmlns:mc="http://schemas.openxmlformats.org/markup-compatibility/2006">
+        <mc:Choice xmlns:a14="http://schemas.microsoft.com/office/drawing/2010/main" Requires="a14">
+          <p:sp>
+            <p:nvSpPr>
+              <p:cNvPr id="2" name="Tijdelijke aanduiding voor inhoud 1">
+                <a:extLst>
+                  <a:ext uri="{FF2B5EF4-FFF2-40B4-BE49-F238E27FC236}">
+                    <a16:creationId xmlns:a16="http://schemas.microsoft.com/office/drawing/2014/main" id="{FDB9BA6B-C0B2-4928-93B9-B7D845242D12}"/>
+                  </a:ext>
+                </a:extLst>
+              </p:cNvPr>
+              <p:cNvSpPr>
+                <a:spLocks noGrp="1"/>
+              </p:cNvSpPr>
+              <p:nvPr>
+                <p:ph idx="1"/>
+              </p:nvPr>
+            </p:nvSpPr>
+            <p:spPr/>
+            <p:txBody>
+              <a:bodyPr>
+                <a:noAutofit/>
+              </a:bodyPr>
+              <a:lstStyle/>
+              <a:p>
+                <a:r>
+                  <a:rPr lang="nl-BE" dirty="0"/>
+                  <a:t>Groot </a:t>
+                </a:r>
+                <a:r>
+                  <a:rPr lang="nl-BE" dirty="0" err="1"/>
+                  <a:t>nueraal</a:t>
+                </a:r>
+                <a:r>
+                  <a:rPr lang="nl-BE" dirty="0"/>
+                  <a:t> Netwerk </a:t>
+                </a:r>
+                <a14:m>
+                  <m:oMath xmlns:m="http://schemas.openxmlformats.org/officeDocument/2006/math">
+                    <m:r>
+                      <a:rPr lang="nl-BE" i="1">
+                        <a:latin typeface="Cambria Math" panose="02040503050406030204" pitchFamily="18" charset="0"/>
+                      </a:rPr>
+                      <m:t>→ </m:t>
+                    </m:r>
+                  </m:oMath>
+                </a14:m>
+                <a:r>
+                  <a:rPr lang="nl-BE" dirty="0"/>
+                  <a:t>Veel parameters </a:t>
+                </a:r>
+                <a14:m>
+                  <m:oMath xmlns:m="http://schemas.openxmlformats.org/officeDocument/2006/math">
+                    <m:r>
+                      <a:rPr lang="nl-BE" i="1">
+                        <a:latin typeface="Cambria Math" panose="02040503050406030204" pitchFamily="18" charset="0"/>
+                      </a:rPr>
+                      <m:t>→ </m:t>
+                    </m:r>
+                    <m:r>
+                      <m:rPr>
+                        <m:sty m:val="p"/>
+                      </m:rPr>
+                      <a:rPr lang="nl-BE" sz="2400" b="0" i="1" smtClean="0">
+                        <a:latin typeface="Cambria Math" panose="02040503050406030204" pitchFamily="18" charset="0"/>
+                        <a:ea typeface="Cambria Math" panose="02040503050406030204" pitchFamily="18" charset="0"/>
+                      </a:rPr>
+                      <m:t>∇</m:t>
+                    </m:r>
+                    <m:r>
+                      <a:rPr lang="nl-BE" sz="2400" b="0" i="1" smtClean="0">
+                        <a:latin typeface="Cambria Math" panose="02040503050406030204" pitchFamily="18" charset="0"/>
+                        <a:ea typeface="Cambria Math" panose="02040503050406030204" pitchFamily="18" charset="0"/>
+                      </a:rPr>
+                      <m:t>𝐶𝑜𝑠𝑡</m:t>
+                    </m:r>
+                    <m:r>
+                      <a:rPr lang="nl-BE" sz="2400" b="0" i="1" smtClean="0">
+                        <a:latin typeface="Cambria Math" panose="02040503050406030204" pitchFamily="18" charset="0"/>
+                        <a:ea typeface="Cambria Math" panose="02040503050406030204" pitchFamily="18" charset="0"/>
+                      </a:rPr>
+                      <m:t>(</m:t>
+                    </m:r>
+                    <m:r>
+                      <a:rPr lang="nl-BE" sz="2400" b="0" i="1" smtClean="0">
+                        <a:latin typeface="Cambria Math" panose="02040503050406030204" pitchFamily="18" charset="0"/>
+                        <a:ea typeface="Cambria Math" panose="02040503050406030204" pitchFamily="18" charset="0"/>
+                      </a:rPr>
+                      <m:t>𝑝</m:t>
+                    </m:r>
+                    <m:r>
+                      <a:rPr lang="nl-BE" sz="2400" b="0" i="1" smtClean="0">
+                        <a:latin typeface="Cambria Math" panose="02040503050406030204" pitchFamily="18" charset="0"/>
+                        <a:ea typeface="Cambria Math" panose="02040503050406030204" pitchFamily="18" charset="0"/>
+                      </a:rPr>
+                      <m:t>)</m:t>
+                    </m:r>
+                  </m:oMath>
+                </a14:m>
+                <a:r>
+                  <a:rPr lang="nl-BE" sz="2400" dirty="0"/>
+                  <a:t> hoge dimensie</a:t>
+                </a:r>
+              </a:p>
+              <a:p>
+                <a:r>
+                  <a:rPr lang="nl-BE" dirty="0"/>
+                  <a:t>Diepe neurale netwerken vereisen veel datapunten (= grote </a:t>
+                </a:r>
+                <a14:m>
+                  <m:oMath xmlns:m="http://schemas.openxmlformats.org/officeDocument/2006/math">
+                    <m:r>
+                      <m:rPr>
+                        <m:sty m:val="p"/>
+                      </m:rPr>
+                      <a:rPr lang="en-GB" b="0" i="0" smtClean="0">
+                        <a:latin typeface="Cambria Math" panose="02040503050406030204" pitchFamily="18" charset="0"/>
+                      </a:rPr>
+                      <m:t>N</m:t>
+                    </m:r>
+                  </m:oMath>
+                </a14:m>
+                <a:r>
+                  <a:rPr lang="nl-BE" dirty="0"/>
+                  <a:t>) </a:t>
+                </a:r>
+                <a:endParaRPr lang="nl-BE" dirty="0">
+                  <a:latin typeface="+mn-lt"/>
+                </a:endParaRPr>
+              </a:p>
+              <a:p>
+                <a:endParaRPr lang="nl-BE" dirty="0">
+                  <a:latin typeface="+mn-lt"/>
+                </a:endParaRPr>
+              </a:p>
+              <a:p>
+                <a:endParaRPr lang="nl-BE" dirty="0">
+                  <a:latin typeface="+mn-lt"/>
+                </a:endParaRPr>
+              </a:p>
+              <a:p>
+                <a:endParaRPr lang="nl-BE" dirty="0">
+                  <a:latin typeface="+mn-lt"/>
+                </a:endParaRPr>
+              </a:p>
+              <a:p>
+                <a:endParaRPr lang="nl-BE" dirty="0">
+                  <a:latin typeface="+mn-lt"/>
+                </a:endParaRPr>
+              </a:p>
+              <a:p>
+                <a:endParaRPr lang="nl-BE" dirty="0">
+                  <a:latin typeface="+mn-lt"/>
+                </a:endParaRPr>
+              </a:p>
+              <a:p>
+                <a:pPr marL="0" indent="0">
+                  <a:buNone/>
+                </a:pPr>
+                <a:endParaRPr lang="nl-BE" dirty="0">
+                  <a:latin typeface="+mn-lt"/>
+                </a:endParaRPr>
+              </a:p>
+              <a:p>
+                <a:r>
+                  <a:rPr lang="nl-BE" dirty="0">
+                    <a:latin typeface="+mn-lt"/>
+                  </a:rPr>
+                  <a:t>Oplossing: beperk N in elke iteratie</a:t>
+                </a:r>
+              </a:p>
+              <a:p>
+                <a:pPr marL="0" indent="0">
+                  <a:buNone/>
+                </a:pPr>
+                <a:endParaRPr lang="nl-BE" dirty="0"/>
+              </a:p>
+              <a:p>
+                <a:pPr marL="0" indent="0">
+                  <a:buNone/>
+                </a:pPr>
+                <a:r>
+                  <a:rPr lang="nl-BE" dirty="0"/>
+                  <a:t>  </a:t>
+                </a:r>
+              </a:p>
+              <a:p>
+                <a:pPr marL="0" indent="0">
+                  <a:buNone/>
+                </a:pPr>
+                <a:endParaRPr lang="nl-BE" dirty="0"/>
+              </a:p>
+            </p:txBody>
+          </p:sp>
+        </mc:Choice>
+        <mc:Fallback>
+          <p:sp>
+            <p:nvSpPr>
+              <p:cNvPr id="2" name="Tijdelijke aanduiding voor inhoud 1">
+                <a:extLst>
+                  <a:ext uri="{FF2B5EF4-FFF2-40B4-BE49-F238E27FC236}">
+                    <a16:creationId xmlns:a16="http://schemas.microsoft.com/office/drawing/2014/main" id="{FDB9BA6B-C0B2-4928-93B9-B7D845242D12}"/>
+                  </a:ext>
+                </a:extLst>
+              </p:cNvPr>
+              <p:cNvSpPr>
+                <a:spLocks noGrp="1" noRot="1" noChangeAspect="1" noMove="1" noResize="1" noEditPoints="1" noAdjustHandles="1" noChangeArrowheads="1" noChangeShapeType="1" noTextEdit="1"/>
+              </p:cNvSpPr>
+              <p:nvPr>
+                <p:ph idx="1"/>
+              </p:nvPr>
+            </p:nvSpPr>
+            <p:spPr>
+              <a:blipFill>
+                <a:blip r:embed="rId2"/>
+                <a:stretch>
+                  <a:fillRect l="-717" t="-956" b="-1776"/>
+                </a:stretch>
+              </a:blipFill>
+            </p:spPr>
+            <p:txBody>
+              <a:bodyPr/>
+              <a:lstStyle/>
+              <a:p>
+                <a:r>
+                  <a:rPr lang="nl-BE">
+                    <a:noFill/>
+                  </a:rPr>
+                  <a:t> </a:t>
+                </a:r>
+              </a:p>
+            </p:txBody>
+          </p:sp>
+        </mc:Fallback>
+      </mc:AlternateContent>
+      <p:sp>
+        <p:nvSpPr>
+          <p:cNvPr id="3" name="Tijdelijke aanduiding voor voettekst 2">
+            <a:extLst>
+              <a:ext uri="{FF2B5EF4-FFF2-40B4-BE49-F238E27FC236}">
+                <a16:creationId xmlns:a16="http://schemas.microsoft.com/office/drawing/2014/main" id="{F4FE6DA4-8F7B-48E6-A543-4DE1B81EAC7A}"/>
+              </a:ext>
+            </a:extLst>
+          </p:cNvPr>
+          <p:cNvSpPr>
+            <a:spLocks noGrp="1"/>
+          </p:cNvSpPr>
+          <p:nvPr>
+            <p:ph type="ftr" sz="quarter" idx="11"/>
+          </p:nvPr>
+        </p:nvSpPr>
+        <p:spPr/>
+        <p:txBody>
+          <a:bodyPr/>
+          <a:lstStyle/>
+          <a:p>
+            <a:r>
+              <a:rPr lang="nl-NL"/>
+              <a:t>Faculteit wetenschappen</a:t>
+            </a:r>
+          </a:p>
+        </p:txBody>
+      </p:sp>
+      <p:sp>
+        <p:nvSpPr>
+          <p:cNvPr id="4" name="Tijdelijke aanduiding voor dianummer 3">
+            <a:extLst>
+              <a:ext uri="{FF2B5EF4-FFF2-40B4-BE49-F238E27FC236}">
+                <a16:creationId xmlns:a16="http://schemas.microsoft.com/office/drawing/2014/main" id="{52346FD5-4FAE-40BE-B96D-DA5F7B838F8B}"/>
+              </a:ext>
+            </a:extLst>
+          </p:cNvPr>
+          <p:cNvSpPr>
+            <a:spLocks noGrp="1"/>
+          </p:cNvSpPr>
+          <p:nvPr>
+            <p:ph type="sldNum" sz="quarter" idx="12"/>
+          </p:nvPr>
+        </p:nvSpPr>
+        <p:spPr/>
+        <p:txBody>
+          <a:bodyPr/>
+          <a:lstStyle/>
+          <a:p>
+            <a:fld id="{0A297500-7527-634B-90F4-69D0994C32B4}" type="slidenum">
+              <a:rPr lang="nl-NL" smtClean="0"/>
+              <a:t>8</a:t>
+            </a:fld>
+            <a:endParaRPr lang="nl-NL"/>
+          </a:p>
+        </p:txBody>
+      </p:sp>
+      <p:sp>
+        <p:nvSpPr>
+          <p:cNvPr id="5" name="Titel 4">
+            <a:extLst>
+              <a:ext uri="{FF2B5EF4-FFF2-40B4-BE49-F238E27FC236}">
+                <a16:creationId xmlns:a16="http://schemas.microsoft.com/office/drawing/2014/main" id="{2226A8D9-1F0C-461B-8683-0631BAE5856D}"/>
+              </a:ext>
+            </a:extLst>
+          </p:cNvPr>
+          <p:cNvSpPr>
+            <a:spLocks noGrp="1"/>
+          </p:cNvSpPr>
+          <p:nvPr>
+            <p:ph type="title"/>
+          </p:nvPr>
+        </p:nvSpPr>
+        <p:spPr/>
+        <p:txBody>
+          <a:bodyPr/>
+          <a:lstStyle/>
+          <a:p>
+            <a:r>
+              <a:rPr lang="nl-BE" dirty="0" err="1"/>
+              <a:t>Gradient</a:t>
+            </a:r>
+            <a:r>
+              <a:rPr lang="nl-BE" dirty="0"/>
+              <a:t> </a:t>
+            </a:r>
+            <a:r>
+              <a:rPr lang="nl-BE" dirty="0" err="1"/>
+              <a:t>descent</a:t>
+            </a:r>
+            <a:endParaRPr lang="nl-BE" dirty="0"/>
+          </a:p>
+        </p:txBody>
+      </p:sp>
+      <p:pic>
+        <p:nvPicPr>
+          <p:cNvPr id="7" name="Afbeelding 6" descr="Afbeelding met object, klok&#10;&#10;Automatisch gegenereerde beschrijving">
+            <a:extLst>
+              <a:ext uri="{FF2B5EF4-FFF2-40B4-BE49-F238E27FC236}">
+                <a16:creationId xmlns:a16="http://schemas.microsoft.com/office/drawing/2014/main" id="{FF13E501-C5E3-4FD7-8D51-A9E8829362CF}"/>
+              </a:ext>
+            </a:extLst>
+          </p:cNvPr>
+          <p:cNvPicPr>
+            <a:picLocks noChangeAspect="1"/>
+          </p:cNvPicPr>
+          <p:nvPr/>
+        </p:nvPicPr>
+        <p:blipFill>
+          <a:blip r:embed="rId3"/>
+          <a:stretch>
+            <a:fillRect/>
+          </a:stretch>
+        </p:blipFill>
+        <p:spPr>
+          <a:xfrm>
+            <a:off x="900000" y="3703899"/>
+            <a:ext cx="4464638" cy="1136830"/>
+          </a:xfrm>
+          <a:prstGeom prst="rect">
+            <a:avLst/>
+          </a:prstGeom>
+        </p:spPr>
+      </p:pic>
+      <p:cxnSp>
+        <p:nvCxnSpPr>
+          <p:cNvPr id="9" name="Rechte verbindingslijn met pijl 8">
+            <a:extLst>
+              <a:ext uri="{FF2B5EF4-FFF2-40B4-BE49-F238E27FC236}">
+                <a16:creationId xmlns:a16="http://schemas.microsoft.com/office/drawing/2014/main" id="{54F13279-6BE0-4BB5-9263-FB56909DC4B5}"/>
+              </a:ext>
+            </a:extLst>
+          </p:cNvPr>
+          <p:cNvCxnSpPr/>
+          <p:nvPr/>
+        </p:nvCxnSpPr>
+        <p:spPr>
+          <a:xfrm>
+            <a:off x="5671595" y="4237931"/>
+            <a:ext cx="2280213" cy="0"/>
+          </a:xfrm>
+          <a:prstGeom prst="straightConnector1">
+            <a:avLst/>
+          </a:prstGeom>
+          <a:ln>
+            <a:tailEnd type="triangle"/>
+          </a:ln>
+        </p:spPr>
+        <p:style>
+          <a:lnRef idx="3">
+            <a:schemeClr val="accent2"/>
+          </a:lnRef>
+          <a:fillRef idx="0">
+            <a:schemeClr val="accent2"/>
+          </a:fillRef>
+          <a:effectRef idx="2">
+            <a:schemeClr val="accent2"/>
+          </a:effectRef>
+          <a:fontRef idx="minor">
+            <a:schemeClr val="tx1"/>
+          </a:fontRef>
+        </p:style>
+      </p:cxnSp>
+      <p:pic>
+        <p:nvPicPr>
+          <p:cNvPr id="1026" name="Picture 2" descr="Computer Fire Isolated. Burning Computer. Data Processor Vector Stock  Vector - Illustration of flame, fire: 143629275">
+            <a:extLst>
+              <a:ext uri="{FF2B5EF4-FFF2-40B4-BE49-F238E27FC236}">
+                <a16:creationId xmlns:a16="http://schemas.microsoft.com/office/drawing/2014/main" id="{D887E6EC-1C19-442A-906B-C69D0C29C224}"/>
+              </a:ext>
+            </a:extLst>
+          </p:cNvPr>
+          <p:cNvPicPr>
+            <a:picLocks noChangeAspect="1" noChangeArrowheads="1"/>
+          </p:cNvPicPr>
+          <p:nvPr/>
+        </p:nvPicPr>
+        <p:blipFill rotWithShape="1">
+          <a:blip r:embed="rId4">
+            <a:extLst>
+              <a:ext uri="{28A0092B-C50C-407E-A947-70E740481C1C}">
+                <a14:useLocalDpi xmlns:a14="http://schemas.microsoft.com/office/drawing/2010/main" val="0"/>
+              </a:ext>
+            </a:extLst>
+          </a:blip>
+          <a:srcRect t="11101"/>
+          <a:stretch/>
+        </p:blipFill>
+        <p:spPr bwMode="auto">
+          <a:xfrm>
+            <a:off x="8070004" y="2704288"/>
+            <a:ext cx="3429000" cy="3048339"/>
+          </a:xfrm>
+          <a:prstGeom prst="rect">
+            <a:avLst/>
+          </a:prstGeom>
+          <a:noFill/>
+          <a:extLst>
+            <a:ext uri="{909E8E84-426E-40DD-AFC4-6F175D3DCCD1}">
+              <a14:hiddenFill xmlns:a14="http://schemas.microsoft.com/office/drawing/2010/main">
+                <a:solidFill>
+                  <a:srgbClr val="FFFFFF"/>
+                </a:solidFill>
+              </a14:hiddenFill>
+            </a:ext>
+          </a:extLst>
+        </p:spPr>
+      </p:pic>
+      <p:pic>
+        <p:nvPicPr>
+          <p:cNvPr id="8" name="Afbeelding 7">
+            <a:extLst>
+              <a:ext uri="{FF2B5EF4-FFF2-40B4-BE49-F238E27FC236}">
+                <a16:creationId xmlns:a16="http://schemas.microsoft.com/office/drawing/2014/main" id="{D6C2DAA3-5434-452E-8901-90EA408CEC80}"/>
+              </a:ext>
+            </a:extLst>
+          </p:cNvPr>
+          <p:cNvPicPr>
+            <a:picLocks noChangeAspect="1"/>
+          </p:cNvPicPr>
+          <p:nvPr/>
+        </p:nvPicPr>
+        <p:blipFill>
+          <a:blip r:embed="rId5"/>
+          <a:stretch>
+            <a:fillRect/>
+          </a:stretch>
+        </p:blipFill>
+        <p:spPr>
+          <a:xfrm>
+            <a:off x="7047589" y="1669039"/>
+            <a:ext cx="1259832" cy="430378"/>
+          </a:xfrm>
+          <a:prstGeom prst="rect">
+            <a:avLst/>
+          </a:prstGeom>
+        </p:spPr>
+      </p:pic>
+    </p:spTree>
+    <p:extLst>
+      <p:ext uri="{BB962C8B-B14F-4D97-AF65-F5344CB8AC3E}">
+        <p14:creationId xmlns:p14="http://schemas.microsoft.com/office/powerpoint/2010/main" val="649465542"/>
+      </p:ext>
+    </p:extLst>
+  </p:cSld>
+  <p:clrMapOvr>
+    <a:masterClrMapping/>
+  </p:clrMapOvr>
+</p:sld>
+</file>
+
+<file path=ppt/slides/slide9.xml><?xml version="1.0" encoding="utf-8"?>
+<p:sld xmlns:a="http://schemas.openxmlformats.org/drawingml/2006/main" xmlns:r="http://schemas.openxmlformats.org/officeDocument/2006/relationships" xmlns:p="http://schemas.openxmlformats.org/presentationml/2006/main">
+  <p:cSld>
+    <p:spTree>
+      <p:nvGrpSpPr>
+        <p:cNvPr id="1" name=""/>
+        <p:cNvGrpSpPr/>
+        <p:nvPr/>
+      </p:nvGrpSpPr>
+      <p:grpSpPr>
+        <a:xfrm>
+          <a:off x="0" y="0"/>
+          <a:ext cx="0" cy="0"/>
+          <a:chOff x="0" y="0"/>
+          <a:chExt cx="0" cy="0"/>
+        </a:xfrm>
+      </p:grpSpPr>
+      <p:sp>
+        <p:nvSpPr>
+          <p:cNvPr id="2" name="Tijdelijke aanduiding voor inhoud 1">
+            <a:extLst>
+              <a:ext uri="{FF2B5EF4-FFF2-40B4-BE49-F238E27FC236}">
+                <a16:creationId xmlns:a16="http://schemas.microsoft.com/office/drawing/2014/main" id="{C79333D8-4E56-48D2-8BC5-D836CD92E7F5}"/>
+              </a:ext>
+            </a:extLst>
+          </p:cNvPr>
+          <p:cNvSpPr>
+            <a:spLocks noGrp="1"/>
+          </p:cNvSpPr>
+          <p:nvPr>
+            <p:ph idx="1"/>
+          </p:nvPr>
+        </p:nvSpPr>
+        <p:spPr/>
+        <p:txBody>
+          <a:bodyPr/>
+          <a:lstStyle/>
+          <a:p>
+            <a:r>
+              <a:rPr lang="nl-BE" dirty="0"/>
+              <a:t>Telkens 1 punt nemen:</a:t>
+            </a:r>
+          </a:p>
+          <a:p>
+            <a:pPr marL="0" indent="0">
+              <a:buNone/>
+            </a:pPr>
+            <a:endParaRPr lang="nl-BE" dirty="0"/>
+          </a:p>
+          <a:p>
+            <a:pPr marL="0" indent="0">
+              <a:buNone/>
+            </a:pPr>
+            <a:endParaRPr lang="nl-BE" dirty="0"/>
+          </a:p>
+          <a:p>
+            <a:r>
+              <a:rPr lang="nl-BE" dirty="0"/>
+              <a:t>Telkens m &lt;&lt; N punten nemen:</a:t>
+            </a:r>
+          </a:p>
+          <a:p>
+            <a:pPr lvl="1"/>
+            <a:r>
+              <a:rPr lang="nl-BE" dirty="0"/>
+              <a:t>Minibatch</a:t>
+            </a:r>
+          </a:p>
+          <a:p>
+            <a:endParaRPr lang="nl-BE" dirty="0"/>
+          </a:p>
+          <a:p>
+            <a:endParaRPr lang="nl-BE" dirty="0"/>
+          </a:p>
+          <a:p>
+            <a:r>
+              <a:rPr lang="nl-BE" dirty="0"/>
+              <a:t>Met/zonder vervanging</a:t>
+            </a:r>
+          </a:p>
+        </p:txBody>
+      </p:sp>
+      <p:sp>
+        <p:nvSpPr>
+          <p:cNvPr id="3" name="Tijdelijke aanduiding voor voettekst 2">
+            <a:extLst>
+              <a:ext uri="{FF2B5EF4-FFF2-40B4-BE49-F238E27FC236}">
+                <a16:creationId xmlns:a16="http://schemas.microsoft.com/office/drawing/2014/main" id="{70CB2AD9-04AF-4EA4-BA1E-3377F6E0748D}"/>
+              </a:ext>
+            </a:extLst>
+          </p:cNvPr>
+          <p:cNvSpPr>
+            <a:spLocks noGrp="1"/>
+          </p:cNvSpPr>
+          <p:nvPr>
+            <p:ph type="ftr" sz="quarter" idx="11"/>
+          </p:nvPr>
+        </p:nvSpPr>
+        <p:spPr/>
+        <p:txBody>
+          <a:bodyPr/>
+          <a:lstStyle/>
+          <a:p>
+            <a:r>
+              <a:rPr lang="nl-NL"/>
+              <a:t>Faculteit wetenschappen</a:t>
+            </a:r>
+          </a:p>
+        </p:txBody>
+      </p:sp>
+      <p:sp>
+        <p:nvSpPr>
+          <p:cNvPr id="4" name="Tijdelijke aanduiding voor dianummer 3">
+            <a:extLst>
+              <a:ext uri="{FF2B5EF4-FFF2-40B4-BE49-F238E27FC236}">
+                <a16:creationId xmlns:a16="http://schemas.microsoft.com/office/drawing/2014/main" id="{86C94A12-C2C6-4355-AAC4-5D2C3F4A327F}"/>
+              </a:ext>
+            </a:extLst>
+          </p:cNvPr>
+          <p:cNvSpPr>
+            <a:spLocks noGrp="1"/>
+          </p:cNvSpPr>
+          <p:nvPr>
+            <p:ph type="sldNum" sz="quarter" idx="12"/>
+          </p:nvPr>
+        </p:nvSpPr>
+        <p:spPr/>
+        <p:txBody>
+          <a:bodyPr/>
+          <a:lstStyle/>
+          <a:p>
+            <a:fld id="{0A297500-7527-634B-90F4-69D0994C32B4}" type="slidenum">
+              <a:rPr lang="nl-NL" smtClean="0"/>
+              <a:t>9</a:t>
+            </a:fld>
+            <a:endParaRPr lang="nl-NL"/>
+          </a:p>
+        </p:txBody>
+      </p:sp>
+      <p:sp>
+        <p:nvSpPr>
+          <p:cNvPr id="5" name="Titel 4">
+            <a:extLst>
+              <a:ext uri="{FF2B5EF4-FFF2-40B4-BE49-F238E27FC236}">
+                <a16:creationId xmlns:a16="http://schemas.microsoft.com/office/drawing/2014/main" id="{8A8BAFB1-02E4-4847-A573-784E02115F7B}"/>
+              </a:ext>
+            </a:extLst>
+          </p:cNvPr>
+          <p:cNvSpPr>
+            <a:spLocks noGrp="1"/>
+          </p:cNvSpPr>
+          <p:nvPr>
+            <p:ph type="title"/>
+          </p:nvPr>
+        </p:nvSpPr>
+        <p:spPr/>
+        <p:txBody>
+          <a:bodyPr/>
+          <a:lstStyle/>
+          <a:p>
+            <a:r>
+              <a:rPr lang="nl-BE" dirty="0" err="1"/>
+              <a:t>Stochastic</a:t>
+            </a:r>
+            <a:r>
+              <a:rPr lang="nl-BE" dirty="0"/>
+              <a:t> </a:t>
+            </a:r>
+            <a:r>
+              <a:rPr lang="nl-BE" dirty="0" err="1"/>
+              <a:t>gradient</a:t>
+            </a:r>
+            <a:r>
+              <a:rPr lang="nl-BE" dirty="0"/>
+              <a:t> </a:t>
+            </a:r>
+            <a:r>
+              <a:rPr lang="nl-BE" dirty="0" err="1"/>
+              <a:t>descent</a:t>
+            </a:r>
+            <a:endParaRPr lang="nl-BE" dirty="0"/>
+          </a:p>
+        </p:txBody>
+      </p:sp>
+      <p:pic>
+        <p:nvPicPr>
+          <p:cNvPr id="7" name="Afbeelding 6" descr="Afbeelding met object, klok&#10;&#10;Automatisch gegenereerde beschrijving">
+            <a:extLst>
+              <a:ext uri="{FF2B5EF4-FFF2-40B4-BE49-F238E27FC236}">
+                <a16:creationId xmlns:a16="http://schemas.microsoft.com/office/drawing/2014/main" id="{1499888D-4D2D-48AA-822E-E73E59823143}"/>
+              </a:ext>
+            </a:extLst>
+          </p:cNvPr>
+          <p:cNvPicPr>
+            <a:picLocks noChangeAspect="1"/>
+          </p:cNvPicPr>
+          <p:nvPr/>
+        </p:nvPicPr>
+        <p:blipFill>
+          <a:blip r:embed="rId2"/>
+          <a:stretch>
+            <a:fillRect/>
+          </a:stretch>
+        </p:blipFill>
+        <p:spPr>
+          <a:xfrm>
+            <a:off x="6598362" y="1505304"/>
+            <a:ext cx="2827265" cy="640135"/>
+          </a:xfrm>
+          <a:prstGeom prst="rect">
+            <a:avLst/>
+          </a:prstGeom>
+        </p:spPr>
+      </p:pic>
+      <p:pic>
+        <p:nvPicPr>
+          <p:cNvPr id="9" name="Afbeelding 8" descr="Afbeelding met object, klok&#10;&#10;Automatisch gegenereerde beschrijving">
+            <a:extLst>
+              <a:ext uri="{FF2B5EF4-FFF2-40B4-BE49-F238E27FC236}">
+                <a16:creationId xmlns:a16="http://schemas.microsoft.com/office/drawing/2014/main" id="{7A770CCF-297A-49CB-A7AB-C9200BD735D8}"/>
+              </a:ext>
+            </a:extLst>
+          </p:cNvPr>
+          <p:cNvPicPr>
+            <a:picLocks noChangeAspect="1"/>
+          </p:cNvPicPr>
+          <p:nvPr/>
+        </p:nvPicPr>
+        <p:blipFill>
+          <a:blip r:embed="rId3"/>
+          <a:stretch>
+            <a:fillRect/>
+          </a:stretch>
+        </p:blipFill>
+        <p:spPr>
+          <a:xfrm>
+            <a:off x="6598362" y="2813005"/>
+            <a:ext cx="3863675" cy="1005927"/>
+          </a:xfrm>
+          <a:prstGeom prst="rect">
+            <a:avLst/>
+          </a:prstGeom>
+        </p:spPr>
+      </p:pic>
+    </p:spTree>
+    <p:extLst>
+      <p:ext uri="{BB962C8B-B14F-4D97-AF65-F5344CB8AC3E}">
+        <p14:creationId xmlns:p14="http://schemas.microsoft.com/office/powerpoint/2010/main" val="1225278259"/>
       </p:ext>
     </p:extLst>
   </p:cSld>

--- a/Literatuurstudie/Literatuurstudie_ppt - kopie.pptx
+++ b/Literatuurstudie/Literatuurstudie_ppt - kopie.pptx
@@ -6,10 +6,10 @@
     <p:sldMasterId id="2147483694" r:id="rId2"/>
   </p:sldMasterIdLst>
   <p:notesMasterIdLst>
-    <p:notesMasterId r:id="rId20"/>
+    <p:notesMasterId r:id="rId21"/>
   </p:notesMasterIdLst>
   <p:handoutMasterIdLst>
-    <p:handoutMasterId r:id="rId21"/>
+    <p:handoutMasterId r:id="rId22"/>
   </p:handoutMasterIdLst>
   <p:sldIdLst>
     <p:sldId id="261" r:id="rId3"/>
@@ -21,14 +21,15 @@
     <p:sldId id="279" r:id="rId9"/>
     <p:sldId id="281" r:id="rId10"/>
     <p:sldId id="282" r:id="rId11"/>
-    <p:sldId id="278" r:id="rId12"/>
-    <p:sldId id="275" r:id="rId13"/>
-    <p:sldId id="276" r:id="rId14"/>
-    <p:sldId id="272" r:id="rId15"/>
-    <p:sldId id="273" r:id="rId16"/>
-    <p:sldId id="274" r:id="rId17"/>
-    <p:sldId id="287" r:id="rId18"/>
-    <p:sldId id="285" r:id="rId19"/>
+    <p:sldId id="292" r:id="rId12"/>
+    <p:sldId id="278" r:id="rId13"/>
+    <p:sldId id="275" r:id="rId14"/>
+    <p:sldId id="276" r:id="rId15"/>
+    <p:sldId id="272" r:id="rId16"/>
+    <p:sldId id="273" r:id="rId17"/>
+    <p:sldId id="274" r:id="rId18"/>
+    <p:sldId id="287" r:id="rId19"/>
+    <p:sldId id="285" r:id="rId20"/>
   </p:sldIdLst>
   <p:sldSz cx="12192000" cy="6858000"/>
   <p:notesSz cx="6858000" cy="9144000"/>
@@ -5179,6 +5180,336 @@
       </p:grpSpPr>
       <p:sp>
         <p:nvSpPr>
+          <p:cNvPr id="2" name="Tijdelijke aanduiding voor inhoud 1">
+            <a:extLst>
+              <a:ext uri="{FF2B5EF4-FFF2-40B4-BE49-F238E27FC236}">
+                <a16:creationId xmlns:a16="http://schemas.microsoft.com/office/drawing/2014/main" id="{7B15AAC3-EC85-45D1-8E9F-E8A82D0022B9}"/>
+              </a:ext>
+            </a:extLst>
+          </p:cNvPr>
+          <p:cNvSpPr>
+            <a:spLocks noGrp="1"/>
+          </p:cNvSpPr>
+          <p:nvPr>
+            <p:ph idx="1"/>
+          </p:nvPr>
+        </p:nvSpPr>
+        <p:spPr/>
+        <p:txBody>
+          <a:bodyPr/>
+          <a:lstStyle/>
+          <a:p>
+            <a:r>
+              <a:rPr lang="nl-BE" dirty="0"/>
+              <a:t>Generaliseren = niet eerder geziene datapunten correct labelen</a:t>
+            </a:r>
+          </a:p>
+          <a:p>
+            <a:r>
+              <a:rPr lang="nl-BE" dirty="0"/>
+              <a:t>Doel van het netwerk: goed generaliseren</a:t>
+            </a:r>
+          </a:p>
+          <a:p>
+            <a:r>
+              <a:rPr lang="nl-BE" dirty="0"/>
+              <a:t>Kleine fout op </a:t>
+            </a:r>
+            <a:r>
+              <a:rPr lang="nl-BE" dirty="0" err="1"/>
+              <a:t>trainingsset</a:t>
+            </a:r>
+            <a:r>
+              <a:rPr lang="nl-BE" dirty="0"/>
+              <a:t> ≠ goede generalisatie</a:t>
+            </a:r>
+          </a:p>
+          <a:p>
+            <a:r>
+              <a:rPr lang="nl-BE" dirty="0"/>
+              <a:t>Voorbeeld:</a:t>
+            </a:r>
+          </a:p>
+        </p:txBody>
+      </p:sp>
+      <p:sp>
+        <p:nvSpPr>
+          <p:cNvPr id="3" name="Tijdelijke aanduiding voor voettekst 2">
+            <a:extLst>
+              <a:ext uri="{FF2B5EF4-FFF2-40B4-BE49-F238E27FC236}">
+                <a16:creationId xmlns:a16="http://schemas.microsoft.com/office/drawing/2014/main" id="{E8A64DED-D2C6-4420-BC5B-2AC9205393A1}"/>
+              </a:ext>
+            </a:extLst>
+          </p:cNvPr>
+          <p:cNvSpPr>
+            <a:spLocks noGrp="1"/>
+          </p:cNvSpPr>
+          <p:nvPr>
+            <p:ph type="ftr" sz="quarter" idx="11"/>
+          </p:nvPr>
+        </p:nvSpPr>
+        <p:spPr/>
+        <p:txBody>
+          <a:bodyPr/>
+          <a:lstStyle/>
+          <a:p>
+            <a:r>
+              <a:rPr lang="nl-NL"/>
+              <a:t>Faculteit wetenschappen</a:t>
+            </a:r>
+          </a:p>
+        </p:txBody>
+      </p:sp>
+      <p:sp>
+        <p:nvSpPr>
+          <p:cNvPr id="4" name="Tijdelijke aanduiding voor dianummer 3">
+            <a:extLst>
+              <a:ext uri="{FF2B5EF4-FFF2-40B4-BE49-F238E27FC236}">
+                <a16:creationId xmlns:a16="http://schemas.microsoft.com/office/drawing/2014/main" id="{7F0A9854-7366-4EB1-A83C-310994DA9FAD}"/>
+              </a:ext>
+            </a:extLst>
+          </p:cNvPr>
+          <p:cNvSpPr>
+            <a:spLocks noGrp="1"/>
+          </p:cNvSpPr>
+          <p:nvPr>
+            <p:ph type="sldNum" sz="quarter" idx="12"/>
+          </p:nvPr>
+        </p:nvSpPr>
+        <p:spPr/>
+        <p:txBody>
+          <a:bodyPr/>
+          <a:lstStyle/>
+          <a:p>
+            <a:fld id="{0A297500-7527-634B-90F4-69D0994C32B4}" type="slidenum">
+              <a:rPr lang="nl-NL" smtClean="0"/>
+              <a:t>10</a:t>
+            </a:fld>
+            <a:endParaRPr lang="nl-NL"/>
+          </a:p>
+        </p:txBody>
+      </p:sp>
+      <p:sp>
+        <p:nvSpPr>
+          <p:cNvPr id="5" name="Titel 4">
+            <a:extLst>
+              <a:ext uri="{FF2B5EF4-FFF2-40B4-BE49-F238E27FC236}">
+                <a16:creationId xmlns:a16="http://schemas.microsoft.com/office/drawing/2014/main" id="{8A84179C-9F94-4D4E-B3FC-8F2E911336DF}"/>
+              </a:ext>
+            </a:extLst>
+          </p:cNvPr>
+          <p:cNvSpPr>
+            <a:spLocks noGrp="1"/>
+          </p:cNvSpPr>
+          <p:nvPr>
+            <p:ph type="title"/>
+          </p:nvPr>
+        </p:nvSpPr>
+        <p:spPr/>
+        <p:txBody>
+          <a:bodyPr/>
+          <a:lstStyle/>
+          <a:p>
+            <a:r>
+              <a:rPr lang="nl-BE" dirty="0"/>
+              <a:t>Generaliseren</a:t>
+            </a:r>
+          </a:p>
+        </p:txBody>
+      </p:sp>
+      <p:pic>
+        <p:nvPicPr>
+          <p:cNvPr id="1026" name="Picture 2" descr="The concept of overfitting and model regularization. | Download Scientific  Diagram">
+            <a:extLst>
+              <a:ext uri="{FF2B5EF4-FFF2-40B4-BE49-F238E27FC236}">
+                <a16:creationId xmlns:a16="http://schemas.microsoft.com/office/drawing/2014/main" id="{A7595FAA-256C-4BB1-AA66-2A41536F4047}"/>
+              </a:ext>
+            </a:extLst>
+          </p:cNvPr>
+          <p:cNvPicPr>
+            <a:picLocks noChangeAspect="1" noChangeArrowheads="1"/>
+          </p:cNvPicPr>
+          <p:nvPr/>
+        </p:nvPicPr>
+        <p:blipFill rotWithShape="1">
+          <a:blip r:embed="rId2">
+            <a:extLst>
+              <a:ext uri="{28A0092B-C50C-407E-A947-70E740481C1C}">
+                <a14:useLocalDpi xmlns:a14="http://schemas.microsoft.com/office/drawing/2010/main" val="0"/>
+              </a:ext>
+            </a:extLst>
+          </a:blip>
+          <a:srcRect l="6480" t="1471" r="33872" b="59290"/>
+          <a:stretch/>
+        </p:blipFill>
+        <p:spPr bwMode="auto">
+          <a:xfrm>
+            <a:off x="2483344" y="3280892"/>
+            <a:ext cx="2840736" cy="2691000"/>
+          </a:xfrm>
+          <a:prstGeom prst="rect">
+            <a:avLst/>
+          </a:prstGeom>
+          <a:noFill/>
+          <a:extLst>
+            <a:ext uri="{909E8E84-426E-40DD-AFC4-6F175D3DCCD1}">
+              <a14:hiddenFill xmlns:a14="http://schemas.microsoft.com/office/drawing/2010/main">
+                <a:solidFill>
+                  <a:srgbClr val="FFFFFF"/>
+                </a:solidFill>
+              </a14:hiddenFill>
+            </a:ext>
+          </a:extLst>
+        </p:spPr>
+      </p:pic>
+      <p:pic>
+        <p:nvPicPr>
+          <p:cNvPr id="6" name="Picture 2" descr="The concept of overfitting and model regularization. | Download Scientific  Diagram">
+            <a:extLst>
+              <a:ext uri="{FF2B5EF4-FFF2-40B4-BE49-F238E27FC236}">
+                <a16:creationId xmlns:a16="http://schemas.microsoft.com/office/drawing/2014/main" id="{588259E7-6B1B-4F2F-BD59-9D72ECF2CA04}"/>
+              </a:ext>
+            </a:extLst>
+          </p:cNvPr>
+          <p:cNvPicPr>
+            <a:picLocks noChangeAspect="1" noChangeArrowheads="1"/>
+          </p:cNvPicPr>
+          <p:nvPr/>
+        </p:nvPicPr>
+        <p:blipFill rotWithShape="1">
+          <a:blip r:embed="rId2">
+            <a:extLst>
+              <a:ext uri="{28A0092B-C50C-407E-A947-70E740481C1C}">
+                <a14:useLocalDpi xmlns:a14="http://schemas.microsoft.com/office/drawing/2010/main" val="0"/>
+              </a:ext>
+            </a:extLst>
+          </a:blip>
+          <a:srcRect l="9906" t="44083" r="30446" b="16678"/>
+          <a:stretch/>
+        </p:blipFill>
+        <p:spPr bwMode="auto">
+          <a:xfrm>
+            <a:off x="6867921" y="3019347"/>
+            <a:ext cx="2840736" cy="2691000"/>
+          </a:xfrm>
+          <a:prstGeom prst="rect">
+            <a:avLst/>
+          </a:prstGeom>
+          <a:noFill/>
+          <a:extLst>
+            <a:ext uri="{909E8E84-426E-40DD-AFC4-6F175D3DCCD1}">
+              <a14:hiddenFill xmlns:a14="http://schemas.microsoft.com/office/drawing/2010/main">
+                <a:solidFill>
+                  <a:srgbClr val="FFFFFF"/>
+                </a:solidFill>
+              </a14:hiddenFill>
+            </a:ext>
+          </a:extLst>
+        </p:spPr>
+      </p:pic>
+      <p:sp>
+        <p:nvSpPr>
+          <p:cNvPr id="8" name="Tekstvak 7">
+            <a:extLst>
+              <a:ext uri="{FF2B5EF4-FFF2-40B4-BE49-F238E27FC236}">
+                <a16:creationId xmlns:a16="http://schemas.microsoft.com/office/drawing/2014/main" id="{86DE54DD-E4EC-44B3-85D6-0238701BD047}"/>
+              </a:ext>
+            </a:extLst>
+          </p:cNvPr>
+          <p:cNvSpPr txBox="1"/>
+          <p:nvPr/>
+        </p:nvSpPr>
+        <p:spPr>
+          <a:xfrm>
+            <a:off x="3285594" y="5827624"/>
+            <a:ext cx="1236236" cy="369332"/>
+          </a:xfrm>
+          <a:prstGeom prst="rect">
+            <a:avLst/>
+          </a:prstGeom>
+          <a:noFill/>
+        </p:spPr>
+        <p:txBody>
+          <a:bodyPr wrap="none" rtlCol="0">
+            <a:spAutoFit/>
+          </a:bodyPr>
+          <a:lstStyle/>
+          <a:p>
+            <a:r>
+              <a:rPr lang="nl-BE" dirty="0" err="1"/>
+              <a:t>Overfitting</a:t>
+            </a:r>
+            <a:endParaRPr lang="nl-BE" dirty="0"/>
+          </a:p>
+        </p:txBody>
+      </p:sp>
+      <p:sp>
+        <p:nvSpPr>
+          <p:cNvPr id="9" name="Tekstvak 8">
+            <a:extLst>
+              <a:ext uri="{FF2B5EF4-FFF2-40B4-BE49-F238E27FC236}">
+                <a16:creationId xmlns:a16="http://schemas.microsoft.com/office/drawing/2014/main" id="{12F50B14-AFCD-4661-A975-57C7F9886868}"/>
+              </a:ext>
+            </a:extLst>
+          </p:cNvPr>
+          <p:cNvSpPr txBox="1"/>
+          <p:nvPr/>
+        </p:nvSpPr>
+        <p:spPr>
+          <a:xfrm>
+            <a:off x="7170034" y="5795358"/>
+            <a:ext cx="2236510" cy="369332"/>
+          </a:xfrm>
+          <a:prstGeom prst="rect">
+            <a:avLst/>
+          </a:prstGeom>
+          <a:noFill/>
+        </p:spPr>
+        <p:txBody>
+          <a:bodyPr wrap="none" rtlCol="0">
+            <a:spAutoFit/>
+          </a:bodyPr>
+          <a:lstStyle/>
+          <a:p>
+            <a:r>
+              <a:rPr lang="nl-BE" dirty="0"/>
+              <a:t>Betere generalisatie</a:t>
+            </a:r>
+          </a:p>
+        </p:txBody>
+      </p:sp>
+    </p:spTree>
+    <p:extLst>
+      <p:ext uri="{BB962C8B-B14F-4D97-AF65-F5344CB8AC3E}">
+        <p14:creationId xmlns:p14="http://schemas.microsoft.com/office/powerpoint/2010/main" val="1586123568"/>
+      </p:ext>
+    </p:extLst>
+  </p:cSld>
+  <p:clrMapOvr>
+    <a:masterClrMapping/>
+  </p:clrMapOvr>
+</p:sld>
+</file>
+
+<file path=ppt/slides/slide11.xml><?xml version="1.0" encoding="utf-8"?>
+<p:sld xmlns:a="http://schemas.openxmlformats.org/drawingml/2006/main" xmlns:r="http://schemas.openxmlformats.org/officeDocument/2006/relationships" xmlns:p="http://schemas.openxmlformats.org/presentationml/2006/main">
+  <p:cSld>
+    <p:spTree>
+      <p:nvGrpSpPr>
+        <p:cNvPr id="1" name=""/>
+        <p:cNvGrpSpPr/>
+        <p:nvPr/>
+      </p:nvGrpSpPr>
+      <p:grpSpPr>
+        <a:xfrm>
+          <a:off x="0" y="0"/>
+          <a:ext cx="0" cy="0"/>
+          <a:chOff x="0" y="0"/>
+          <a:chExt cx="0" cy="0"/>
+        </a:xfrm>
+      </p:grpSpPr>
+      <p:sp>
+        <p:nvSpPr>
           <p:cNvPr id="2" name="Content Placeholder 1">
             <a:extLst>
               <a:ext uri="{FF2B5EF4-FFF2-40B4-BE49-F238E27FC236}">
@@ -5326,7 +5657,7 @@
           <a:p>
             <a:fld id="{0A297500-7527-634B-90F4-69D0994C32B4}" type="slidenum">
               <a:rPr lang="nl-NL" smtClean="0"/>
-              <a:t>10</a:t>
+              <a:t>11</a:t>
             </a:fld>
             <a:endParaRPr lang="nl-NL"/>
           </a:p>
@@ -5442,7 +5773,7 @@
 </p:sld>
 </file>
 
-<file path=ppt/slides/slide11.xml><?xml version="1.0" encoding="utf-8"?>
+<file path=ppt/slides/slide12.xml><?xml version="1.0" encoding="utf-8"?>
 <p:sld xmlns:a="http://schemas.openxmlformats.org/drawingml/2006/main" xmlns:r="http://schemas.openxmlformats.org/officeDocument/2006/relationships" xmlns:p="http://schemas.openxmlformats.org/presentationml/2006/main">
   <p:cSld>
     <p:spTree>
@@ -5780,7 +6111,7 @@
           <a:p>
             <a:fld id="{0A297500-7527-634B-90F4-69D0994C32B4}" type="slidenum">
               <a:rPr lang="nl-NL" smtClean="0"/>
-              <a:t>11</a:t>
+              <a:t>12</a:t>
             </a:fld>
             <a:endParaRPr lang="nl-NL"/>
           </a:p>
@@ -5926,7 +6257,7 @@
 </p:sld>
 </file>
 
-<file path=ppt/slides/slide12.xml><?xml version="1.0" encoding="utf-8"?>
+<file path=ppt/slides/slide13.xml><?xml version="1.0" encoding="utf-8"?>
 <p:sld xmlns:a="http://schemas.openxmlformats.org/drawingml/2006/main" xmlns:r="http://schemas.openxmlformats.org/officeDocument/2006/relationships" xmlns:p="http://schemas.openxmlformats.org/presentationml/2006/main">
   <p:cSld>
     <p:spTree>
@@ -6182,7 +6513,7 @@
           <a:p>
             <a:fld id="{0A297500-7527-634B-90F4-69D0994C32B4}" type="slidenum">
               <a:rPr lang="nl-NL" smtClean="0"/>
-              <a:t>12</a:t>
+              <a:t>13</a:t>
             </a:fld>
             <a:endParaRPr lang="nl-NL"/>
           </a:p>
@@ -6374,7 +6705,7 @@
 </p:sld>
 </file>
 
-<file path=ppt/slides/slide13.xml><?xml version="1.0" encoding="utf-8"?>
+<file path=ppt/slides/slide14.xml><?xml version="1.0" encoding="utf-8"?>
 <p:sld xmlns:a="http://schemas.openxmlformats.org/drawingml/2006/main" xmlns:r="http://schemas.openxmlformats.org/officeDocument/2006/relationships" xmlns:p="http://schemas.openxmlformats.org/presentationml/2006/main">
   <p:cSld>
     <p:spTree>
@@ -6488,7 +6819,7 @@
           <a:p>
             <a:fld id="{0A297500-7527-634B-90F4-69D0994C32B4}" type="slidenum">
               <a:rPr lang="nl-NL" smtClean="0"/>
-              <a:t>13</a:t>
+              <a:t>14</a:t>
             </a:fld>
             <a:endParaRPr lang="nl-NL"/>
           </a:p>
@@ -6565,7 +6896,7 @@
 </p:sld>
 </file>
 
-<file path=ppt/slides/slide14.xml><?xml version="1.0" encoding="utf-8"?>
+<file path=ppt/slides/slide15.xml><?xml version="1.0" encoding="utf-8"?>
 <p:sld xmlns:a="http://schemas.openxmlformats.org/drawingml/2006/main" xmlns:r="http://schemas.openxmlformats.org/officeDocument/2006/relationships" xmlns:p="http://schemas.openxmlformats.org/presentationml/2006/main">
   <p:cSld>
     <p:spTree>
@@ -7088,7 +7419,7 @@
           <a:p>
             <a:fld id="{0A297500-7527-634B-90F4-69D0994C32B4}" type="slidenum">
               <a:rPr lang="nl-NL" smtClean="0"/>
-              <a:t>14</a:t>
+              <a:t>15</a:t>
             </a:fld>
             <a:endParaRPr lang="nl-NL" dirty="0"/>
           </a:p>
@@ -7253,7 +7584,7 @@
 </p:sld>
 </file>
 
-<file path=ppt/slides/slide15.xml><?xml version="1.0" encoding="utf-8"?>
+<file path=ppt/slides/slide16.xml><?xml version="1.0" encoding="utf-8"?>
 <p:sld xmlns:a="http://schemas.openxmlformats.org/drawingml/2006/main" xmlns:r="http://schemas.openxmlformats.org/officeDocument/2006/relationships" xmlns:p="http://schemas.openxmlformats.org/presentationml/2006/main">
   <p:cSld>
     <p:spTree>
@@ -7366,7 +7697,7 @@
           <a:p>
             <a:fld id="{0A297500-7527-634B-90F4-69D0994C32B4}" type="slidenum">
               <a:rPr lang="nl-NL" smtClean="0"/>
-              <a:t>15</a:t>
+              <a:t>16</a:t>
             </a:fld>
             <a:endParaRPr lang="nl-NL"/>
           </a:p>
@@ -7479,66 +7810,6 @@
 </p:sld>
 </file>
 
-<file path=ppt/slides/slide16.xml><?xml version="1.0" encoding="utf-8"?>
-<p:sld xmlns:a="http://schemas.openxmlformats.org/drawingml/2006/main" xmlns:r="http://schemas.openxmlformats.org/officeDocument/2006/relationships" xmlns:p="http://schemas.openxmlformats.org/presentationml/2006/main">
-  <p:cSld>
-    <p:spTree>
-      <p:nvGrpSpPr>
-        <p:cNvPr id="1" name=""/>
-        <p:cNvGrpSpPr/>
-        <p:nvPr/>
-      </p:nvGrpSpPr>
-      <p:grpSpPr>
-        <a:xfrm>
-          <a:off x="0" y="0"/>
-          <a:ext cx="0" cy="0"/>
-          <a:chOff x="0" y="0"/>
-          <a:chExt cx="0" cy="0"/>
-        </a:xfrm>
-      </p:grpSpPr>
-      <p:sp>
-        <p:nvSpPr>
-          <p:cNvPr id="8" name="Titel 7"/>
-          <p:cNvSpPr>
-            <a:spLocks noGrp="1"/>
-          </p:cNvSpPr>
-          <p:nvPr>
-            <p:ph type="ctrTitle"/>
-          </p:nvPr>
-        </p:nvSpPr>
-        <p:spPr>
-          <a:xfrm>
-            <a:off x="575998" y="1080000"/>
-            <a:ext cx="10299148" cy="4024798"/>
-          </a:xfrm>
-        </p:spPr>
-        <p:txBody>
-          <a:bodyPr>
-            <a:normAutofit/>
-          </a:bodyPr>
-          <a:lstStyle/>
-          <a:p>
-            <a:pPr algn="ctr"/>
-            <a:r>
-              <a:rPr lang="nl-NL" sz="8000" dirty="0"/>
-              <a:t>Vragen?</a:t>
-            </a:r>
-          </a:p>
-        </p:txBody>
-      </p:sp>
-    </p:spTree>
-    <p:extLst>
-      <p:ext uri="{BB962C8B-B14F-4D97-AF65-F5344CB8AC3E}">
-        <p14:creationId xmlns:p14="http://schemas.microsoft.com/office/powerpoint/2010/main" val="2576386695"/>
-      </p:ext>
-    </p:extLst>
-  </p:cSld>
-  <p:clrMapOvr>
-    <a:masterClrMapping/>
-  </p:clrMapOvr>
-</p:sld>
-</file>
-
 <file path=ppt/slides/slide17.xml><?xml version="1.0" encoding="utf-8"?>
 <p:sld xmlns:a="http://schemas.openxmlformats.org/drawingml/2006/main" xmlns:r="http://schemas.openxmlformats.org/officeDocument/2006/relationships" xmlns:p="http://schemas.openxmlformats.org/presentationml/2006/main">
   <p:cSld>
@@ -7558,6 +7829,66 @@
       </p:grpSpPr>
       <p:sp>
         <p:nvSpPr>
+          <p:cNvPr id="8" name="Titel 7"/>
+          <p:cNvSpPr>
+            <a:spLocks noGrp="1"/>
+          </p:cNvSpPr>
+          <p:nvPr>
+            <p:ph type="ctrTitle"/>
+          </p:nvPr>
+        </p:nvSpPr>
+        <p:spPr>
+          <a:xfrm>
+            <a:off x="575998" y="1080000"/>
+            <a:ext cx="10299148" cy="4024798"/>
+          </a:xfrm>
+        </p:spPr>
+        <p:txBody>
+          <a:bodyPr>
+            <a:normAutofit/>
+          </a:bodyPr>
+          <a:lstStyle/>
+          <a:p>
+            <a:pPr algn="ctr"/>
+            <a:r>
+              <a:rPr lang="nl-NL" sz="8000" dirty="0"/>
+              <a:t>Vragen?</a:t>
+            </a:r>
+          </a:p>
+        </p:txBody>
+      </p:sp>
+    </p:spTree>
+    <p:extLst>
+      <p:ext uri="{BB962C8B-B14F-4D97-AF65-F5344CB8AC3E}">
+        <p14:creationId xmlns:p14="http://schemas.microsoft.com/office/powerpoint/2010/main" val="2576386695"/>
+      </p:ext>
+    </p:extLst>
+  </p:cSld>
+  <p:clrMapOvr>
+    <a:masterClrMapping/>
+  </p:clrMapOvr>
+</p:sld>
+</file>
+
+<file path=ppt/slides/slide18.xml><?xml version="1.0" encoding="utf-8"?>
+<p:sld xmlns:a="http://schemas.openxmlformats.org/drawingml/2006/main" xmlns:r="http://schemas.openxmlformats.org/officeDocument/2006/relationships" xmlns:p="http://schemas.openxmlformats.org/presentationml/2006/main">
+  <p:cSld>
+    <p:spTree>
+      <p:nvGrpSpPr>
+        <p:cNvPr id="1" name=""/>
+        <p:cNvGrpSpPr/>
+        <p:nvPr/>
+      </p:nvGrpSpPr>
+      <p:grpSpPr>
+        <a:xfrm>
+          <a:off x="0" y="0"/>
+          <a:ext cx="0" cy="0"/>
+          <a:chOff x="0" y="0"/>
+          <a:chExt cx="0" cy="0"/>
+        </a:xfrm>
+      </p:grpSpPr>
+      <p:sp>
+        <p:nvSpPr>
           <p:cNvPr id="2" name="Tijdelijke aanduiding voor inhoud 1">
             <a:extLst>
               <a:ext uri="{FF2B5EF4-FFF2-40B4-BE49-F238E27FC236}">
@@ -7941,7 +8272,7 @@
           <a:p>
             <a:fld id="{0A297500-7527-634B-90F4-69D0994C32B4}" type="slidenum">
               <a:rPr lang="nl-NL" smtClean="0"/>
-              <a:t>17</a:t>
+              <a:t>18</a:t>
             </a:fld>
             <a:endParaRPr lang="nl-NL"/>
           </a:p>
@@ -10015,8 +10346,8 @@
           <a:chExt cx="0" cy="0"/>
         </a:xfrm>
       </p:grpSpPr>
-      <mc:AlternateContent xmlns:mc="http://schemas.openxmlformats.org/markup-compatibility/2006">
-        <mc:Choice xmlns:a14="http://schemas.microsoft.com/office/drawing/2010/main" Requires="a14">
+      <mc:AlternateContent xmlns:mc="http://schemas.openxmlformats.org/markup-compatibility/2006" xmlns:a14="http://schemas.microsoft.com/office/drawing/2010/main">
+        <mc:Choice Requires="a14">
           <p:sp>
             <p:nvSpPr>
               <p:cNvPr id="2" name="Tijdelijke aanduiding voor inhoud 1">
@@ -10267,7 +10598,7 @@
             </p:txBody>
           </p:sp>
         </mc:Choice>
-        <mc:Fallback>
+        <mc:Fallback xmlns="">
           <p:sp>
             <p:nvSpPr>
               <p:cNvPr id="2" name="Tijdelijke aanduiding voor inhoud 1">
@@ -10478,8 +10809,8 @@
           <a:chExt cx="0" cy="0"/>
         </a:xfrm>
       </p:grpSpPr>
-      <mc:AlternateContent xmlns:mc="http://schemas.openxmlformats.org/markup-compatibility/2006">
-        <mc:Choice xmlns:a14="http://schemas.microsoft.com/office/drawing/2010/main" Requires="a14">
+      <mc:AlternateContent xmlns:mc="http://schemas.openxmlformats.org/markup-compatibility/2006" xmlns:a14="http://schemas.microsoft.com/office/drawing/2010/main">
+        <mc:Choice Requires="a14">
           <p:sp>
             <p:nvSpPr>
               <p:cNvPr id="2" name="Tijdelijke aanduiding voor inhoud 1">
@@ -10784,7 +11115,7 @@
             </p:txBody>
           </p:sp>
         </mc:Choice>
-        <mc:Fallback>
+        <mc:Fallback xmlns="">
           <p:sp>
             <p:nvSpPr>
               <p:cNvPr id="2" name="Tijdelijke aanduiding voor inhoud 1">
@@ -11477,8 +11808,8 @@
           <a:chExt cx="0" cy="0"/>
         </a:xfrm>
       </p:grpSpPr>
-      <mc:AlternateContent xmlns:mc="http://schemas.openxmlformats.org/markup-compatibility/2006">
-        <mc:Choice xmlns:a14="http://schemas.microsoft.com/office/drawing/2010/main" Requires="a14">
+      <mc:AlternateContent xmlns:mc="http://schemas.openxmlformats.org/markup-compatibility/2006" xmlns:a14="http://schemas.microsoft.com/office/drawing/2010/main">
+        <mc:Choice Requires="a14">
           <p:sp>
             <p:nvSpPr>
               <p:cNvPr id="2" name="Tijdelijke aanduiding voor inhoud 1">
@@ -11672,7 +12003,7 @@
             </p:txBody>
           </p:sp>
         </mc:Choice>
-        <mc:Fallback>
+        <mc:Fallback xmlns="">
           <p:sp>
             <p:nvSpPr>
               <p:cNvPr id="2" name="Tijdelijke aanduiding voor inhoud 1">

--- a/Literatuurstudie/Literatuurstudie_ppt - kopie.pptx
+++ b/Literatuurstudie/Literatuurstudie_ppt - kopie.pptx
@@ -6758,12 +6758,6 @@
             <a:r>
               <a:rPr lang="nl-BE" dirty="0"/>
               <a:t>Motivatie om onzekerheid te kwantificeren</a:t>
-            </a:r>
-          </a:p>
-          <a:p>
-            <a:r>
-              <a:rPr lang="nl-BE" dirty="0"/>
-              <a:t>Oplossing?</a:t>
             </a:r>
           </a:p>
         </p:txBody>
